--- a/images/posts/post_5/images.pptx
+++ b/images/posts/post_5/images.pptx
@@ -2,18 +2,19 @@
 <file path=ppt/presentation.xml><?xml version="1.0" encoding="utf-8"?>
 <p:presentation xmlns:a="http://schemas.openxmlformats.org/drawingml/2006/main" xmlns:r="http://schemas.openxmlformats.org/officeDocument/2006/relationships" xmlns:p="http://schemas.openxmlformats.org/presentationml/2006/main" saveSubsetFonts="1">
   <p:sldMasterIdLst>
-    <p:sldMasterId id="2147483648" r:id="rId1"/>
+    <p:sldMasterId id="2147483672" r:id="rId1"/>
   </p:sldMasterIdLst>
   <p:sldIdLst>
     <p:sldId id="256" r:id="rId2"/>
+    <p:sldId id="257" r:id="rId3"/>
   </p:sldIdLst>
-  <p:sldSz cx="12192000" cy="6858000"/>
+  <p:sldSz cx="12192000" cy="4319588"/>
   <p:notesSz cx="6858000" cy="9144000"/>
   <p:defaultTextStyle>
     <a:defPPr>
-      <a:defRPr lang="zh-CN"/>
+      <a:defRPr lang="en-US"/>
     </a:defPPr>
-    <a:lvl1pPr marL="0" algn="l" defTabSz="914400" rtl="0" eaLnBrk="1" latinLnBrk="0" hangingPunct="1">
+    <a:lvl1pPr marL="0" algn="l" defTabSz="457200" rtl="0" eaLnBrk="1" latinLnBrk="0" hangingPunct="1">
       <a:defRPr sz="1800" kern="1200">
         <a:solidFill>
           <a:schemeClr val="tx1"/>
@@ -23,7 +24,7 @@
         <a:cs typeface="+mn-cs"/>
       </a:defRPr>
     </a:lvl1pPr>
-    <a:lvl2pPr marL="457200" algn="l" defTabSz="914400" rtl="0" eaLnBrk="1" latinLnBrk="0" hangingPunct="1">
+    <a:lvl2pPr marL="457200" algn="l" defTabSz="457200" rtl="0" eaLnBrk="1" latinLnBrk="0" hangingPunct="1">
       <a:defRPr sz="1800" kern="1200">
         <a:solidFill>
           <a:schemeClr val="tx1"/>
@@ -33,7 +34,7 @@
         <a:cs typeface="+mn-cs"/>
       </a:defRPr>
     </a:lvl2pPr>
-    <a:lvl3pPr marL="914400" algn="l" defTabSz="914400" rtl="0" eaLnBrk="1" latinLnBrk="0" hangingPunct="1">
+    <a:lvl3pPr marL="914400" algn="l" defTabSz="457200" rtl="0" eaLnBrk="1" latinLnBrk="0" hangingPunct="1">
       <a:defRPr sz="1800" kern="1200">
         <a:solidFill>
           <a:schemeClr val="tx1"/>
@@ -43,7 +44,7 @@
         <a:cs typeface="+mn-cs"/>
       </a:defRPr>
     </a:lvl3pPr>
-    <a:lvl4pPr marL="1371600" algn="l" defTabSz="914400" rtl="0" eaLnBrk="1" latinLnBrk="0" hangingPunct="1">
+    <a:lvl4pPr marL="1371600" algn="l" defTabSz="457200" rtl="0" eaLnBrk="1" latinLnBrk="0" hangingPunct="1">
       <a:defRPr sz="1800" kern="1200">
         <a:solidFill>
           <a:schemeClr val="tx1"/>
@@ -53,7 +54,7 @@
         <a:cs typeface="+mn-cs"/>
       </a:defRPr>
     </a:lvl4pPr>
-    <a:lvl5pPr marL="1828800" algn="l" defTabSz="914400" rtl="0" eaLnBrk="1" latinLnBrk="0" hangingPunct="1">
+    <a:lvl5pPr marL="1828800" algn="l" defTabSz="457200" rtl="0" eaLnBrk="1" latinLnBrk="0" hangingPunct="1">
       <a:defRPr sz="1800" kern="1200">
         <a:solidFill>
           <a:schemeClr val="tx1"/>
@@ -63,7 +64,7 @@
         <a:cs typeface="+mn-cs"/>
       </a:defRPr>
     </a:lvl5pPr>
-    <a:lvl6pPr marL="2286000" algn="l" defTabSz="914400" rtl="0" eaLnBrk="1" latinLnBrk="0" hangingPunct="1">
+    <a:lvl6pPr marL="2286000" algn="l" defTabSz="457200" rtl="0" eaLnBrk="1" latinLnBrk="0" hangingPunct="1">
       <a:defRPr sz="1800" kern="1200">
         <a:solidFill>
           <a:schemeClr val="tx1"/>
@@ -73,7 +74,7 @@
         <a:cs typeface="+mn-cs"/>
       </a:defRPr>
     </a:lvl6pPr>
-    <a:lvl7pPr marL="2743200" algn="l" defTabSz="914400" rtl="0" eaLnBrk="1" latinLnBrk="0" hangingPunct="1">
+    <a:lvl7pPr marL="2743200" algn="l" defTabSz="457200" rtl="0" eaLnBrk="1" latinLnBrk="0" hangingPunct="1">
       <a:defRPr sz="1800" kern="1200">
         <a:solidFill>
           <a:schemeClr val="tx1"/>
@@ -83,7 +84,7 @@
         <a:cs typeface="+mn-cs"/>
       </a:defRPr>
     </a:lvl7pPr>
-    <a:lvl8pPr marL="3200400" algn="l" defTabSz="914400" rtl="0" eaLnBrk="1" latinLnBrk="0" hangingPunct="1">
+    <a:lvl8pPr marL="3200400" algn="l" defTabSz="457200" rtl="0" eaLnBrk="1" latinLnBrk="0" hangingPunct="1">
       <a:defRPr sz="1800" kern="1200">
         <a:solidFill>
           <a:schemeClr val="tx1"/>
@@ -93,7 +94,7 @@
         <a:cs typeface="+mn-cs"/>
       </a:defRPr>
     </a:lvl8pPr>
-    <a:lvl9pPr marL="3657600" algn="l" defTabSz="914400" rtl="0" eaLnBrk="1" latinLnBrk="0" hangingPunct="1">
+    <a:lvl9pPr marL="3657600" algn="l" defTabSz="457200" rtl="0" eaLnBrk="1" latinLnBrk="0" hangingPunct="1">
       <a:defRPr sz="1800" kern="1200">
         <a:solidFill>
           <a:schemeClr val="tx1"/>
@@ -104,6 +105,11 @@
       </a:defRPr>
     </a:lvl9pPr>
   </p:defaultTextStyle>
+  <p:extLst>
+    <p:ext uri="{EFAFB233-063F-42B5-8137-9DF3F51BA10A}">
+      <p15:sldGuideLst xmlns:p15="http://schemas.microsoft.com/office/powerpoint/2012/main"/>
+    </p:ext>
+  </p:extLst>
 </p:presentation>
 </file>
 
@@ -126,13 +132,7 @@
       </p:grpSpPr>
       <p:sp>
         <p:nvSpPr>
-          <p:cNvPr id="2" name="标题 1">
-            <a:extLst>
-              <a:ext uri="{FF2B5EF4-FFF2-40B4-BE49-F238E27FC236}">
-                <a16:creationId xmlns:a16="http://schemas.microsoft.com/office/drawing/2014/main" id="{9A79EC24-1902-233B-E1A2-7E48A0E6B966}"/>
-              </a:ext>
-            </a:extLst>
-          </p:cNvPr>
+          <p:cNvPr id="2" name="Title 1"/>
           <p:cNvSpPr>
             <a:spLocks noGrp="1"/>
           </p:cNvSpPr>
@@ -142,15 +142,15 @@
         </p:nvSpPr>
         <p:spPr>
           <a:xfrm>
-            <a:off x="1524000" y="1122363"/>
-            <a:ext cx="9144000" cy="2387600"/>
+            <a:off x="1524000" y="706933"/>
+            <a:ext cx="9144000" cy="1503857"/>
           </a:xfrm>
         </p:spPr>
         <p:txBody>
           <a:bodyPr anchor="b"/>
           <a:lstStyle>
             <a:lvl1pPr algn="ctr">
-              <a:defRPr sz="6000"/>
+              <a:defRPr sz="3779"/>
             </a:lvl1pPr>
           </a:lstStyle>
           <a:p>
@@ -158,18 +158,13 @@
               <a:rPr lang="zh-CN" altLang="en-US"/>
               <a:t>单击此处编辑母版标题样式</a:t>
             </a:r>
-          </a:p>
-        </p:txBody>
-      </p:sp>
-      <p:sp>
-        <p:nvSpPr>
-          <p:cNvPr id="3" name="副标题 2">
-            <a:extLst>
-              <a:ext uri="{FF2B5EF4-FFF2-40B4-BE49-F238E27FC236}">
-                <a16:creationId xmlns:a16="http://schemas.microsoft.com/office/drawing/2014/main" id="{28F9626D-784F-7E97-3F65-CCA1AC8C52BA}"/>
-              </a:ext>
-            </a:extLst>
-          </p:cNvPr>
+            <a:endParaRPr lang="en-US" dirty="0"/>
+          </a:p>
+        </p:txBody>
+      </p:sp>
+      <p:sp>
+        <p:nvSpPr>
+          <p:cNvPr id="3" name="Subtitle 2"/>
           <p:cNvSpPr>
             <a:spLocks noGrp="1"/>
           </p:cNvSpPr>
@@ -179,8 +174,8 @@
         </p:nvSpPr>
         <p:spPr>
           <a:xfrm>
-            <a:off x="1524000" y="3602038"/>
-            <a:ext cx="9144000" cy="1655762"/>
+            <a:off x="1524000" y="2268784"/>
+            <a:ext cx="9144000" cy="1042900"/>
           </a:xfrm>
         </p:spPr>
         <p:txBody>
@@ -188,39 +183,39 @@
           <a:lstStyle>
             <a:lvl1pPr marL="0" indent="0" algn="ctr">
               <a:buNone/>
-              <a:defRPr sz="2400"/>
+              <a:defRPr sz="1512"/>
             </a:lvl1pPr>
-            <a:lvl2pPr marL="457200" indent="0" algn="ctr">
-              <a:buNone/>
-              <a:defRPr sz="2000"/>
+            <a:lvl2pPr marL="287990" indent="0" algn="ctr">
+              <a:buNone/>
+              <a:defRPr sz="1260"/>
             </a:lvl2pPr>
-            <a:lvl3pPr marL="914400" indent="0" algn="ctr">
-              <a:buNone/>
-              <a:defRPr sz="1800"/>
+            <a:lvl3pPr marL="575981" indent="0" algn="ctr">
+              <a:buNone/>
+              <a:defRPr sz="1134"/>
             </a:lvl3pPr>
-            <a:lvl4pPr marL="1371600" indent="0" algn="ctr">
-              <a:buNone/>
-              <a:defRPr sz="1600"/>
+            <a:lvl4pPr marL="863971" indent="0" algn="ctr">
+              <a:buNone/>
+              <a:defRPr sz="1008"/>
             </a:lvl4pPr>
-            <a:lvl5pPr marL="1828800" indent="0" algn="ctr">
-              <a:buNone/>
-              <a:defRPr sz="1600"/>
+            <a:lvl5pPr marL="1151961" indent="0" algn="ctr">
+              <a:buNone/>
+              <a:defRPr sz="1008"/>
             </a:lvl5pPr>
-            <a:lvl6pPr marL="2286000" indent="0" algn="ctr">
-              <a:buNone/>
-              <a:defRPr sz="1600"/>
+            <a:lvl6pPr marL="1439951" indent="0" algn="ctr">
+              <a:buNone/>
+              <a:defRPr sz="1008"/>
             </a:lvl6pPr>
-            <a:lvl7pPr marL="2743200" indent="0" algn="ctr">
-              <a:buNone/>
-              <a:defRPr sz="1600"/>
+            <a:lvl7pPr marL="1727942" indent="0" algn="ctr">
+              <a:buNone/>
+              <a:defRPr sz="1008"/>
             </a:lvl7pPr>
-            <a:lvl8pPr marL="3200400" indent="0" algn="ctr">
-              <a:buNone/>
-              <a:defRPr sz="1600"/>
+            <a:lvl8pPr marL="2015932" indent="0" algn="ctr">
+              <a:buNone/>
+              <a:defRPr sz="1008"/>
             </a:lvl8pPr>
-            <a:lvl9pPr marL="3657600" indent="0" algn="ctr">
-              <a:buNone/>
-              <a:defRPr sz="1600"/>
+            <a:lvl9pPr marL="2303922" indent="0" algn="ctr">
+              <a:buNone/>
+              <a:defRPr sz="1008"/>
             </a:lvl9pPr>
           </a:lstStyle>
           <a:p>
@@ -228,18 +223,13 @@
               <a:rPr lang="zh-CN" altLang="en-US"/>
               <a:t>单击此处编辑母版副标题样式</a:t>
             </a:r>
-          </a:p>
-        </p:txBody>
-      </p:sp>
-      <p:sp>
-        <p:nvSpPr>
-          <p:cNvPr id="4" name="日期占位符 3">
-            <a:extLst>
-              <a:ext uri="{FF2B5EF4-FFF2-40B4-BE49-F238E27FC236}">
-                <a16:creationId xmlns:a16="http://schemas.microsoft.com/office/drawing/2014/main" id="{D8B23147-E103-B233-640B-9A41B31F2385}"/>
-              </a:ext>
-            </a:extLst>
-          </p:cNvPr>
+            <a:endParaRPr lang="en-US" dirty="0"/>
+          </a:p>
+        </p:txBody>
+      </p:sp>
+      <p:sp>
+        <p:nvSpPr>
+          <p:cNvPr id="4" name="Date Placeholder 3"/>
           <p:cNvSpPr>
             <a:spLocks noGrp="1"/>
           </p:cNvSpPr>
@@ -262,13 +252,7 @@
       </p:sp>
       <p:sp>
         <p:nvSpPr>
-          <p:cNvPr id="5" name="页脚占位符 4">
-            <a:extLst>
-              <a:ext uri="{FF2B5EF4-FFF2-40B4-BE49-F238E27FC236}">
-                <a16:creationId xmlns:a16="http://schemas.microsoft.com/office/drawing/2014/main" id="{C3286D64-5DDC-16ED-BCBF-A061A6D3C627}"/>
-              </a:ext>
-            </a:extLst>
-          </p:cNvPr>
+          <p:cNvPr id="5" name="Footer Placeholder 4"/>
           <p:cNvSpPr>
             <a:spLocks noGrp="1"/>
           </p:cNvSpPr>
@@ -287,13 +271,7 @@
       </p:sp>
       <p:sp>
         <p:nvSpPr>
-          <p:cNvPr id="6" name="灯片编号占位符 5">
-            <a:extLst>
-              <a:ext uri="{FF2B5EF4-FFF2-40B4-BE49-F238E27FC236}">
-                <a16:creationId xmlns:a16="http://schemas.microsoft.com/office/drawing/2014/main" id="{5F6ABA6E-ABD0-FA0A-E36F-373ACD42A7BB}"/>
-              </a:ext>
-            </a:extLst>
-          </p:cNvPr>
+          <p:cNvPr id="6" name="Slide Number Placeholder 5"/>
           <p:cNvSpPr>
             <a:spLocks noGrp="1"/>
           </p:cNvSpPr>
@@ -317,7 +295,7 @@
     </p:spTree>
     <p:extLst>
       <p:ext uri="{BB962C8B-B14F-4D97-AF65-F5344CB8AC3E}">
-        <p14:creationId xmlns:p14="http://schemas.microsoft.com/office/powerpoint/2010/main" val="3130194293"/>
+        <p14:creationId xmlns:p14="http://schemas.microsoft.com/office/powerpoint/2010/main" val="4100774635"/>
       </p:ext>
     </p:extLst>
   </p:cSld>
@@ -346,13 +324,7 @@
       </p:grpSpPr>
       <p:sp>
         <p:nvSpPr>
-          <p:cNvPr id="2" name="标题 1">
-            <a:extLst>
-              <a:ext uri="{FF2B5EF4-FFF2-40B4-BE49-F238E27FC236}">
-                <a16:creationId xmlns:a16="http://schemas.microsoft.com/office/drawing/2014/main" id="{B1547B2B-923B-10BE-BE01-EB35CA11A3E7}"/>
-              </a:ext>
-            </a:extLst>
-          </p:cNvPr>
+          <p:cNvPr id="2" name="Title 1"/>
           <p:cNvSpPr>
             <a:spLocks noGrp="1"/>
           </p:cNvSpPr>
@@ -369,18 +341,13 @@
               <a:rPr lang="zh-CN" altLang="en-US"/>
               <a:t>单击此处编辑母版标题样式</a:t>
             </a:r>
-          </a:p>
-        </p:txBody>
-      </p:sp>
-      <p:sp>
-        <p:nvSpPr>
-          <p:cNvPr id="3" name="竖排文字占位符 2">
-            <a:extLst>
-              <a:ext uri="{FF2B5EF4-FFF2-40B4-BE49-F238E27FC236}">
-                <a16:creationId xmlns:a16="http://schemas.microsoft.com/office/drawing/2014/main" id="{13A39D34-D5B0-C8CD-BF18-D6C7AA184BFB}"/>
-              </a:ext>
-            </a:extLst>
-          </p:cNvPr>
+            <a:endParaRPr lang="en-US" dirty="0"/>
+          </a:p>
+        </p:txBody>
+      </p:sp>
+      <p:sp>
+        <p:nvSpPr>
+          <p:cNvPr id="3" name="Vertical Text Placeholder 2"/>
           <p:cNvSpPr>
             <a:spLocks noGrp="1"/>
           </p:cNvSpPr>
@@ -426,18 +393,13 @@
               <a:rPr lang="zh-CN" altLang="en-US"/>
               <a:t>五级</a:t>
             </a:r>
-          </a:p>
-        </p:txBody>
-      </p:sp>
-      <p:sp>
-        <p:nvSpPr>
-          <p:cNvPr id="4" name="日期占位符 3">
-            <a:extLst>
-              <a:ext uri="{FF2B5EF4-FFF2-40B4-BE49-F238E27FC236}">
-                <a16:creationId xmlns:a16="http://schemas.microsoft.com/office/drawing/2014/main" id="{E17BA0CB-96DF-F75B-6F7B-06A2A9D9C5BE}"/>
-              </a:ext>
-            </a:extLst>
-          </p:cNvPr>
+            <a:endParaRPr lang="en-US" dirty="0"/>
+          </a:p>
+        </p:txBody>
+      </p:sp>
+      <p:sp>
+        <p:nvSpPr>
+          <p:cNvPr id="4" name="Date Placeholder 3"/>
           <p:cNvSpPr>
             <a:spLocks noGrp="1"/>
           </p:cNvSpPr>
@@ -460,13 +422,7 @@
       </p:sp>
       <p:sp>
         <p:nvSpPr>
-          <p:cNvPr id="5" name="页脚占位符 4">
-            <a:extLst>
-              <a:ext uri="{FF2B5EF4-FFF2-40B4-BE49-F238E27FC236}">
-                <a16:creationId xmlns:a16="http://schemas.microsoft.com/office/drawing/2014/main" id="{ABEE07AA-5FE1-7EC2-9DF0-070FC9E1783F}"/>
-              </a:ext>
-            </a:extLst>
-          </p:cNvPr>
+          <p:cNvPr id="5" name="Footer Placeholder 4"/>
           <p:cNvSpPr>
             <a:spLocks noGrp="1"/>
           </p:cNvSpPr>
@@ -485,13 +441,7 @@
       </p:sp>
       <p:sp>
         <p:nvSpPr>
-          <p:cNvPr id="6" name="灯片编号占位符 5">
-            <a:extLst>
-              <a:ext uri="{FF2B5EF4-FFF2-40B4-BE49-F238E27FC236}">
-                <a16:creationId xmlns:a16="http://schemas.microsoft.com/office/drawing/2014/main" id="{C39A73E0-2797-728B-4358-465715B4C6D9}"/>
-              </a:ext>
-            </a:extLst>
-          </p:cNvPr>
+          <p:cNvPr id="6" name="Slide Number Placeholder 5"/>
           <p:cNvSpPr>
             <a:spLocks noGrp="1"/>
           </p:cNvSpPr>
@@ -515,7 +465,7 @@
     </p:spTree>
     <p:extLst>
       <p:ext uri="{BB962C8B-B14F-4D97-AF65-F5344CB8AC3E}">
-        <p14:creationId xmlns:p14="http://schemas.microsoft.com/office/powerpoint/2010/main" val="4025738438"/>
+        <p14:creationId xmlns:p14="http://schemas.microsoft.com/office/powerpoint/2010/main" val="406250943"/>
       </p:ext>
     </p:extLst>
   </p:cSld>
@@ -544,13 +494,7 @@
       </p:grpSpPr>
       <p:sp>
         <p:nvSpPr>
-          <p:cNvPr id="2" name="竖排标题 1">
-            <a:extLst>
-              <a:ext uri="{FF2B5EF4-FFF2-40B4-BE49-F238E27FC236}">
-                <a16:creationId xmlns:a16="http://schemas.microsoft.com/office/drawing/2014/main" id="{8D3409BF-712E-92FC-089A-CA6E569490B3}"/>
-              </a:ext>
-            </a:extLst>
-          </p:cNvPr>
+          <p:cNvPr id="2" name="Vertical Title 1"/>
           <p:cNvSpPr>
             <a:spLocks noGrp="1"/>
           </p:cNvSpPr>
@@ -560,8 +504,8 @@
         </p:nvSpPr>
         <p:spPr>
           <a:xfrm>
-            <a:off x="8724900" y="365125"/>
-            <a:ext cx="2628900" cy="5811838"/>
+            <a:off x="8724900" y="229978"/>
+            <a:ext cx="2628900" cy="3660651"/>
           </a:xfrm>
         </p:spPr>
         <p:txBody>
@@ -572,18 +516,13 @@
               <a:rPr lang="zh-CN" altLang="en-US"/>
               <a:t>单击此处编辑母版标题样式</a:t>
             </a:r>
-          </a:p>
-        </p:txBody>
-      </p:sp>
-      <p:sp>
-        <p:nvSpPr>
-          <p:cNvPr id="3" name="竖排文字占位符 2">
-            <a:extLst>
-              <a:ext uri="{FF2B5EF4-FFF2-40B4-BE49-F238E27FC236}">
-                <a16:creationId xmlns:a16="http://schemas.microsoft.com/office/drawing/2014/main" id="{32D5A221-0A38-DF39-66D7-CCBFDC539469}"/>
-              </a:ext>
-            </a:extLst>
-          </p:cNvPr>
+            <a:endParaRPr lang="en-US" dirty="0"/>
+          </a:p>
+        </p:txBody>
+      </p:sp>
+      <p:sp>
+        <p:nvSpPr>
+          <p:cNvPr id="3" name="Vertical Text Placeholder 2"/>
           <p:cNvSpPr>
             <a:spLocks noGrp="1"/>
           </p:cNvSpPr>
@@ -593,8 +532,8 @@
         </p:nvSpPr>
         <p:spPr>
           <a:xfrm>
-            <a:off x="838200" y="365125"/>
-            <a:ext cx="7734300" cy="5811838"/>
+            <a:off x="838200" y="229978"/>
+            <a:ext cx="7734300" cy="3660651"/>
           </a:xfrm>
         </p:spPr>
         <p:txBody>
@@ -634,18 +573,13 @@
               <a:rPr lang="zh-CN" altLang="en-US"/>
               <a:t>五级</a:t>
             </a:r>
-          </a:p>
-        </p:txBody>
-      </p:sp>
-      <p:sp>
-        <p:nvSpPr>
-          <p:cNvPr id="4" name="日期占位符 3">
-            <a:extLst>
-              <a:ext uri="{FF2B5EF4-FFF2-40B4-BE49-F238E27FC236}">
-                <a16:creationId xmlns:a16="http://schemas.microsoft.com/office/drawing/2014/main" id="{E6E60E53-1561-C55B-FB9C-698E8615E088}"/>
-              </a:ext>
-            </a:extLst>
-          </p:cNvPr>
+            <a:endParaRPr lang="en-US" dirty="0"/>
+          </a:p>
+        </p:txBody>
+      </p:sp>
+      <p:sp>
+        <p:nvSpPr>
+          <p:cNvPr id="4" name="Date Placeholder 3"/>
           <p:cNvSpPr>
             <a:spLocks noGrp="1"/>
           </p:cNvSpPr>
@@ -668,13 +602,7 @@
       </p:sp>
       <p:sp>
         <p:nvSpPr>
-          <p:cNvPr id="5" name="页脚占位符 4">
-            <a:extLst>
-              <a:ext uri="{FF2B5EF4-FFF2-40B4-BE49-F238E27FC236}">
-                <a16:creationId xmlns:a16="http://schemas.microsoft.com/office/drawing/2014/main" id="{D27E6135-95D1-D5BD-151B-5C4A088B02D3}"/>
-              </a:ext>
-            </a:extLst>
-          </p:cNvPr>
+          <p:cNvPr id="5" name="Footer Placeholder 4"/>
           <p:cNvSpPr>
             <a:spLocks noGrp="1"/>
           </p:cNvSpPr>
@@ -693,13 +621,7 @@
       </p:sp>
       <p:sp>
         <p:nvSpPr>
-          <p:cNvPr id="6" name="灯片编号占位符 5">
-            <a:extLst>
-              <a:ext uri="{FF2B5EF4-FFF2-40B4-BE49-F238E27FC236}">
-                <a16:creationId xmlns:a16="http://schemas.microsoft.com/office/drawing/2014/main" id="{0B7BB5E1-02BD-6887-D54C-46E732287CDB}"/>
-              </a:ext>
-            </a:extLst>
-          </p:cNvPr>
+          <p:cNvPr id="6" name="Slide Number Placeholder 5"/>
           <p:cNvSpPr>
             <a:spLocks noGrp="1"/>
           </p:cNvSpPr>
@@ -723,7 +645,7 @@
     </p:spTree>
     <p:extLst>
       <p:ext uri="{BB962C8B-B14F-4D97-AF65-F5344CB8AC3E}">
-        <p14:creationId xmlns:p14="http://schemas.microsoft.com/office/powerpoint/2010/main" val="1249860592"/>
+        <p14:creationId xmlns:p14="http://schemas.microsoft.com/office/powerpoint/2010/main" val="4252843806"/>
       </p:ext>
     </p:extLst>
   </p:cSld>
@@ -752,13 +674,7 @@
       </p:grpSpPr>
       <p:sp>
         <p:nvSpPr>
-          <p:cNvPr id="2" name="标题 1">
-            <a:extLst>
-              <a:ext uri="{FF2B5EF4-FFF2-40B4-BE49-F238E27FC236}">
-                <a16:creationId xmlns:a16="http://schemas.microsoft.com/office/drawing/2014/main" id="{43F8379C-9C42-FB11-729F-228248939BA4}"/>
-              </a:ext>
-            </a:extLst>
-          </p:cNvPr>
+          <p:cNvPr id="2" name="Title 1"/>
           <p:cNvSpPr>
             <a:spLocks noGrp="1"/>
           </p:cNvSpPr>
@@ -775,18 +691,13 @@
               <a:rPr lang="zh-CN" altLang="en-US"/>
               <a:t>单击此处编辑母版标题样式</a:t>
             </a:r>
-          </a:p>
-        </p:txBody>
-      </p:sp>
-      <p:sp>
-        <p:nvSpPr>
-          <p:cNvPr id="3" name="内容占位符 2">
-            <a:extLst>
-              <a:ext uri="{FF2B5EF4-FFF2-40B4-BE49-F238E27FC236}">
-                <a16:creationId xmlns:a16="http://schemas.microsoft.com/office/drawing/2014/main" id="{19D03397-5966-E1B1-47DD-89226916C8A0}"/>
-              </a:ext>
-            </a:extLst>
-          </p:cNvPr>
+            <a:endParaRPr lang="en-US" dirty="0"/>
+          </a:p>
+        </p:txBody>
+      </p:sp>
+      <p:sp>
+        <p:nvSpPr>
+          <p:cNvPr id="3" name="Content Placeholder 2"/>
           <p:cNvSpPr>
             <a:spLocks noGrp="1"/>
           </p:cNvSpPr>
@@ -832,18 +743,13 @@
               <a:rPr lang="zh-CN" altLang="en-US"/>
               <a:t>五级</a:t>
             </a:r>
-          </a:p>
-        </p:txBody>
-      </p:sp>
-      <p:sp>
-        <p:nvSpPr>
-          <p:cNvPr id="4" name="日期占位符 3">
-            <a:extLst>
-              <a:ext uri="{FF2B5EF4-FFF2-40B4-BE49-F238E27FC236}">
-                <a16:creationId xmlns:a16="http://schemas.microsoft.com/office/drawing/2014/main" id="{C0E96EA7-20F0-2FAE-2FE3-6D3DFE9A286D}"/>
-              </a:ext>
-            </a:extLst>
-          </p:cNvPr>
+            <a:endParaRPr lang="en-US" dirty="0"/>
+          </a:p>
+        </p:txBody>
+      </p:sp>
+      <p:sp>
+        <p:nvSpPr>
+          <p:cNvPr id="4" name="Date Placeholder 3"/>
           <p:cNvSpPr>
             <a:spLocks noGrp="1"/>
           </p:cNvSpPr>
@@ -866,13 +772,7 @@
       </p:sp>
       <p:sp>
         <p:nvSpPr>
-          <p:cNvPr id="5" name="页脚占位符 4">
-            <a:extLst>
-              <a:ext uri="{FF2B5EF4-FFF2-40B4-BE49-F238E27FC236}">
-                <a16:creationId xmlns:a16="http://schemas.microsoft.com/office/drawing/2014/main" id="{8DE9DB1D-112F-AD24-C68D-24222CB545FA}"/>
-              </a:ext>
-            </a:extLst>
-          </p:cNvPr>
+          <p:cNvPr id="5" name="Footer Placeholder 4"/>
           <p:cNvSpPr>
             <a:spLocks noGrp="1"/>
           </p:cNvSpPr>
@@ -891,13 +791,7 @@
       </p:sp>
       <p:sp>
         <p:nvSpPr>
-          <p:cNvPr id="6" name="灯片编号占位符 5">
-            <a:extLst>
-              <a:ext uri="{FF2B5EF4-FFF2-40B4-BE49-F238E27FC236}">
-                <a16:creationId xmlns:a16="http://schemas.microsoft.com/office/drawing/2014/main" id="{8D9A1856-A6B0-4B49-55A7-EBA5E8044DD0}"/>
-              </a:ext>
-            </a:extLst>
-          </p:cNvPr>
+          <p:cNvPr id="6" name="Slide Number Placeholder 5"/>
           <p:cNvSpPr>
             <a:spLocks noGrp="1"/>
           </p:cNvSpPr>
@@ -921,7 +815,7 @@
     </p:spTree>
     <p:extLst>
       <p:ext uri="{BB962C8B-B14F-4D97-AF65-F5344CB8AC3E}">
-        <p14:creationId xmlns:p14="http://schemas.microsoft.com/office/powerpoint/2010/main" val="1732472213"/>
+        <p14:creationId xmlns:p14="http://schemas.microsoft.com/office/powerpoint/2010/main" val="450469628"/>
       </p:ext>
     </p:extLst>
   </p:cSld>
@@ -950,13 +844,7 @@
       </p:grpSpPr>
       <p:sp>
         <p:nvSpPr>
-          <p:cNvPr id="2" name="标题 1">
-            <a:extLst>
-              <a:ext uri="{FF2B5EF4-FFF2-40B4-BE49-F238E27FC236}">
-                <a16:creationId xmlns:a16="http://schemas.microsoft.com/office/drawing/2014/main" id="{D477F1A2-CCF4-7C12-2DE7-AFB3AF855995}"/>
-              </a:ext>
-            </a:extLst>
-          </p:cNvPr>
+          <p:cNvPr id="2" name="Title 1"/>
           <p:cNvSpPr>
             <a:spLocks noGrp="1"/>
           </p:cNvSpPr>
@@ -966,15 +854,15 @@
         </p:nvSpPr>
         <p:spPr>
           <a:xfrm>
-            <a:off x="831850" y="1709738"/>
-            <a:ext cx="10515600" cy="2852737"/>
+            <a:off x="831850" y="1076898"/>
+            <a:ext cx="10515600" cy="1796828"/>
           </a:xfrm>
         </p:spPr>
         <p:txBody>
           <a:bodyPr anchor="b"/>
           <a:lstStyle>
             <a:lvl1pPr>
-              <a:defRPr sz="6000"/>
+              <a:defRPr sz="3779"/>
             </a:lvl1pPr>
           </a:lstStyle>
           <a:p>
@@ -982,18 +870,13 @@
               <a:rPr lang="zh-CN" altLang="en-US"/>
               <a:t>单击此处编辑母版标题样式</a:t>
             </a:r>
-          </a:p>
-        </p:txBody>
-      </p:sp>
-      <p:sp>
-        <p:nvSpPr>
-          <p:cNvPr id="3" name="文本占位符 2">
-            <a:extLst>
-              <a:ext uri="{FF2B5EF4-FFF2-40B4-BE49-F238E27FC236}">
-                <a16:creationId xmlns:a16="http://schemas.microsoft.com/office/drawing/2014/main" id="{69F37428-0F2F-97DF-4DC0-2D3E391CD037}"/>
-              </a:ext>
-            </a:extLst>
-          </p:cNvPr>
+            <a:endParaRPr lang="en-US" dirty="0"/>
+          </a:p>
+        </p:txBody>
+      </p:sp>
+      <p:sp>
+        <p:nvSpPr>
+          <p:cNvPr id="3" name="Text Placeholder 2"/>
           <p:cNvSpPr>
             <a:spLocks noGrp="1"/>
           </p:cNvSpPr>
@@ -1003,8 +886,8 @@
         </p:nvSpPr>
         <p:spPr>
           <a:xfrm>
-            <a:off x="831850" y="4589463"/>
-            <a:ext cx="10515600" cy="1500187"/>
+            <a:off x="831850" y="2890725"/>
+            <a:ext cx="10515600" cy="944910"/>
           </a:xfrm>
         </p:spPr>
         <p:txBody>
@@ -1012,7 +895,7 @@
           <a:lstStyle>
             <a:lvl1pPr marL="0" indent="0">
               <a:buNone/>
-              <a:defRPr sz="2400">
+              <a:defRPr sz="1512">
                 <a:solidFill>
                   <a:schemeClr val="tx1">
                     <a:tint val="82000"/>
@@ -1020,9 +903,9 @@
                 </a:solidFill>
               </a:defRPr>
             </a:lvl1pPr>
-            <a:lvl2pPr marL="457200" indent="0">
-              <a:buNone/>
-              <a:defRPr sz="2000">
+            <a:lvl2pPr marL="287990" indent="0">
+              <a:buNone/>
+              <a:defRPr sz="1260">
                 <a:solidFill>
                   <a:schemeClr val="tx1">
                     <a:tint val="82000"/>
@@ -1030,9 +913,9 @@
                 </a:solidFill>
               </a:defRPr>
             </a:lvl2pPr>
-            <a:lvl3pPr marL="914400" indent="0">
-              <a:buNone/>
-              <a:defRPr sz="1800">
+            <a:lvl3pPr marL="575981" indent="0">
+              <a:buNone/>
+              <a:defRPr sz="1134">
                 <a:solidFill>
                   <a:schemeClr val="tx1">
                     <a:tint val="82000"/>
@@ -1040,9 +923,9 @@
                 </a:solidFill>
               </a:defRPr>
             </a:lvl3pPr>
-            <a:lvl4pPr marL="1371600" indent="0">
-              <a:buNone/>
-              <a:defRPr sz="1600">
+            <a:lvl4pPr marL="863971" indent="0">
+              <a:buNone/>
+              <a:defRPr sz="1008">
                 <a:solidFill>
                   <a:schemeClr val="tx1">
                     <a:tint val="82000"/>
@@ -1050,9 +933,9 @@
                 </a:solidFill>
               </a:defRPr>
             </a:lvl4pPr>
-            <a:lvl5pPr marL="1828800" indent="0">
-              <a:buNone/>
-              <a:defRPr sz="1600">
+            <a:lvl5pPr marL="1151961" indent="0">
+              <a:buNone/>
+              <a:defRPr sz="1008">
                 <a:solidFill>
                   <a:schemeClr val="tx1">
                     <a:tint val="82000"/>
@@ -1060,9 +943,9 @@
                 </a:solidFill>
               </a:defRPr>
             </a:lvl5pPr>
-            <a:lvl6pPr marL="2286000" indent="0">
-              <a:buNone/>
-              <a:defRPr sz="1600">
+            <a:lvl6pPr marL="1439951" indent="0">
+              <a:buNone/>
+              <a:defRPr sz="1008">
                 <a:solidFill>
                   <a:schemeClr val="tx1">
                     <a:tint val="82000"/>
@@ -1070,9 +953,9 @@
                 </a:solidFill>
               </a:defRPr>
             </a:lvl6pPr>
-            <a:lvl7pPr marL="2743200" indent="0">
-              <a:buNone/>
-              <a:defRPr sz="1600">
+            <a:lvl7pPr marL="1727942" indent="0">
+              <a:buNone/>
+              <a:defRPr sz="1008">
                 <a:solidFill>
                   <a:schemeClr val="tx1">
                     <a:tint val="82000"/>
@@ -1080,9 +963,9 @@
                 </a:solidFill>
               </a:defRPr>
             </a:lvl7pPr>
-            <a:lvl8pPr marL="3200400" indent="0">
-              <a:buNone/>
-              <a:defRPr sz="1600">
+            <a:lvl8pPr marL="2015932" indent="0">
+              <a:buNone/>
+              <a:defRPr sz="1008">
                 <a:solidFill>
                   <a:schemeClr val="tx1">
                     <a:tint val="82000"/>
@@ -1090,9 +973,9 @@
                 </a:solidFill>
               </a:defRPr>
             </a:lvl8pPr>
-            <a:lvl9pPr marL="3657600" indent="0">
-              <a:buNone/>
-              <a:defRPr sz="1600">
+            <a:lvl9pPr marL="2303922" indent="0">
+              <a:buNone/>
+              <a:defRPr sz="1008">
                 <a:solidFill>
                   <a:schemeClr val="tx1">
                     <a:tint val="82000"/>
@@ -1112,13 +995,7 @@
       </p:sp>
       <p:sp>
         <p:nvSpPr>
-          <p:cNvPr id="4" name="日期占位符 3">
-            <a:extLst>
-              <a:ext uri="{FF2B5EF4-FFF2-40B4-BE49-F238E27FC236}">
-                <a16:creationId xmlns:a16="http://schemas.microsoft.com/office/drawing/2014/main" id="{6C9A3DF3-2B9A-2E6B-273E-1784F182D069}"/>
-              </a:ext>
-            </a:extLst>
-          </p:cNvPr>
+          <p:cNvPr id="4" name="Date Placeholder 3"/>
           <p:cNvSpPr>
             <a:spLocks noGrp="1"/>
           </p:cNvSpPr>
@@ -1141,13 +1018,7 @@
       </p:sp>
       <p:sp>
         <p:nvSpPr>
-          <p:cNvPr id="5" name="页脚占位符 4">
-            <a:extLst>
-              <a:ext uri="{FF2B5EF4-FFF2-40B4-BE49-F238E27FC236}">
-                <a16:creationId xmlns:a16="http://schemas.microsoft.com/office/drawing/2014/main" id="{B1C5F043-CF0A-8A2F-9E97-F31F0CFCEEC3}"/>
-              </a:ext>
-            </a:extLst>
-          </p:cNvPr>
+          <p:cNvPr id="5" name="Footer Placeholder 4"/>
           <p:cNvSpPr>
             <a:spLocks noGrp="1"/>
           </p:cNvSpPr>
@@ -1166,13 +1037,7 @@
       </p:sp>
       <p:sp>
         <p:nvSpPr>
-          <p:cNvPr id="6" name="灯片编号占位符 5">
-            <a:extLst>
-              <a:ext uri="{FF2B5EF4-FFF2-40B4-BE49-F238E27FC236}">
-                <a16:creationId xmlns:a16="http://schemas.microsoft.com/office/drawing/2014/main" id="{BF414651-2809-B60C-67AA-91D9B530F3A8}"/>
-              </a:ext>
-            </a:extLst>
-          </p:cNvPr>
+          <p:cNvPr id="6" name="Slide Number Placeholder 5"/>
           <p:cNvSpPr>
             <a:spLocks noGrp="1"/>
           </p:cNvSpPr>
@@ -1196,7 +1061,7 @@
     </p:spTree>
     <p:extLst>
       <p:ext uri="{BB962C8B-B14F-4D97-AF65-F5344CB8AC3E}">
-        <p14:creationId xmlns:p14="http://schemas.microsoft.com/office/powerpoint/2010/main" val="203133862"/>
+        <p14:creationId xmlns:p14="http://schemas.microsoft.com/office/powerpoint/2010/main" val="88402887"/>
       </p:ext>
     </p:extLst>
   </p:cSld>
@@ -1225,13 +1090,7 @@
       </p:grpSpPr>
       <p:sp>
         <p:nvSpPr>
-          <p:cNvPr id="2" name="标题 1">
-            <a:extLst>
-              <a:ext uri="{FF2B5EF4-FFF2-40B4-BE49-F238E27FC236}">
-                <a16:creationId xmlns:a16="http://schemas.microsoft.com/office/drawing/2014/main" id="{D7905B0C-127B-BEB1-1B8C-A6E5D6EC1F60}"/>
-              </a:ext>
-            </a:extLst>
-          </p:cNvPr>
+          <p:cNvPr id="2" name="Title 1"/>
           <p:cNvSpPr>
             <a:spLocks noGrp="1"/>
           </p:cNvSpPr>
@@ -1248,18 +1107,13 @@
               <a:rPr lang="zh-CN" altLang="en-US"/>
               <a:t>单击此处编辑母版标题样式</a:t>
             </a:r>
-          </a:p>
-        </p:txBody>
-      </p:sp>
-      <p:sp>
-        <p:nvSpPr>
-          <p:cNvPr id="3" name="内容占位符 2">
-            <a:extLst>
-              <a:ext uri="{FF2B5EF4-FFF2-40B4-BE49-F238E27FC236}">
-                <a16:creationId xmlns:a16="http://schemas.microsoft.com/office/drawing/2014/main" id="{44B75EF9-8255-E119-C140-36E092C7C77F}"/>
-              </a:ext>
-            </a:extLst>
-          </p:cNvPr>
+            <a:endParaRPr lang="en-US" dirty="0"/>
+          </a:p>
+        </p:txBody>
+      </p:sp>
+      <p:sp>
+        <p:nvSpPr>
+          <p:cNvPr id="3" name="Content Placeholder 2"/>
           <p:cNvSpPr>
             <a:spLocks noGrp="1"/>
           </p:cNvSpPr>
@@ -1269,8 +1123,8 @@
         </p:nvSpPr>
         <p:spPr>
           <a:xfrm>
-            <a:off x="838200" y="1825625"/>
-            <a:ext cx="5181600" cy="4351338"/>
+            <a:off x="838200" y="1149890"/>
+            <a:ext cx="5181600" cy="2740739"/>
           </a:xfrm>
         </p:spPr>
         <p:txBody>
@@ -1310,18 +1164,13 @@
               <a:rPr lang="zh-CN" altLang="en-US"/>
               <a:t>五级</a:t>
             </a:r>
-          </a:p>
-        </p:txBody>
-      </p:sp>
-      <p:sp>
-        <p:nvSpPr>
-          <p:cNvPr id="4" name="内容占位符 3">
-            <a:extLst>
-              <a:ext uri="{FF2B5EF4-FFF2-40B4-BE49-F238E27FC236}">
-                <a16:creationId xmlns:a16="http://schemas.microsoft.com/office/drawing/2014/main" id="{B904CCA8-30CD-DDD9-D1A8-0FF3099BE42F}"/>
-              </a:ext>
-            </a:extLst>
-          </p:cNvPr>
+            <a:endParaRPr lang="en-US" dirty="0"/>
+          </a:p>
+        </p:txBody>
+      </p:sp>
+      <p:sp>
+        <p:nvSpPr>
+          <p:cNvPr id="4" name="Content Placeholder 3"/>
           <p:cNvSpPr>
             <a:spLocks noGrp="1"/>
           </p:cNvSpPr>
@@ -1331,8 +1180,8 @@
         </p:nvSpPr>
         <p:spPr>
           <a:xfrm>
-            <a:off x="6172200" y="1825625"/>
-            <a:ext cx="5181600" cy="4351338"/>
+            <a:off x="6172200" y="1149890"/>
+            <a:ext cx="5181600" cy="2740739"/>
           </a:xfrm>
         </p:spPr>
         <p:txBody>
@@ -1372,18 +1221,13 @@
               <a:rPr lang="zh-CN" altLang="en-US"/>
               <a:t>五级</a:t>
             </a:r>
-          </a:p>
-        </p:txBody>
-      </p:sp>
-      <p:sp>
-        <p:nvSpPr>
-          <p:cNvPr id="5" name="日期占位符 4">
-            <a:extLst>
-              <a:ext uri="{FF2B5EF4-FFF2-40B4-BE49-F238E27FC236}">
-                <a16:creationId xmlns:a16="http://schemas.microsoft.com/office/drawing/2014/main" id="{94AC5E45-52AF-5904-B880-4E2726FFD45E}"/>
-              </a:ext>
-            </a:extLst>
-          </p:cNvPr>
+            <a:endParaRPr lang="en-US" dirty="0"/>
+          </a:p>
+        </p:txBody>
+      </p:sp>
+      <p:sp>
+        <p:nvSpPr>
+          <p:cNvPr id="5" name="Date Placeholder 4"/>
           <p:cNvSpPr>
             <a:spLocks noGrp="1"/>
           </p:cNvSpPr>
@@ -1406,13 +1250,7 @@
       </p:sp>
       <p:sp>
         <p:nvSpPr>
-          <p:cNvPr id="6" name="页脚占位符 5">
-            <a:extLst>
-              <a:ext uri="{FF2B5EF4-FFF2-40B4-BE49-F238E27FC236}">
-                <a16:creationId xmlns:a16="http://schemas.microsoft.com/office/drawing/2014/main" id="{BBDBE571-B2CF-9BF6-E577-4EA3446318FB}"/>
-              </a:ext>
-            </a:extLst>
-          </p:cNvPr>
+          <p:cNvPr id="6" name="Footer Placeholder 5"/>
           <p:cNvSpPr>
             <a:spLocks noGrp="1"/>
           </p:cNvSpPr>
@@ -1431,13 +1269,7 @@
       </p:sp>
       <p:sp>
         <p:nvSpPr>
-          <p:cNvPr id="7" name="灯片编号占位符 6">
-            <a:extLst>
-              <a:ext uri="{FF2B5EF4-FFF2-40B4-BE49-F238E27FC236}">
-                <a16:creationId xmlns:a16="http://schemas.microsoft.com/office/drawing/2014/main" id="{7BBA6F0E-20D8-087D-094A-A95EC4540692}"/>
-              </a:ext>
-            </a:extLst>
-          </p:cNvPr>
+          <p:cNvPr id="7" name="Slide Number Placeholder 6"/>
           <p:cNvSpPr>
             <a:spLocks noGrp="1"/>
           </p:cNvSpPr>
@@ -1461,7 +1293,7 @@
     </p:spTree>
     <p:extLst>
       <p:ext uri="{BB962C8B-B14F-4D97-AF65-F5344CB8AC3E}">
-        <p14:creationId xmlns:p14="http://schemas.microsoft.com/office/powerpoint/2010/main" val="1798909468"/>
+        <p14:creationId xmlns:p14="http://schemas.microsoft.com/office/powerpoint/2010/main" val="3130300863"/>
       </p:ext>
     </p:extLst>
   </p:cSld>
@@ -1490,13 +1322,7 @@
       </p:grpSpPr>
       <p:sp>
         <p:nvSpPr>
-          <p:cNvPr id="2" name="标题 1">
-            <a:extLst>
-              <a:ext uri="{FF2B5EF4-FFF2-40B4-BE49-F238E27FC236}">
-                <a16:creationId xmlns:a16="http://schemas.microsoft.com/office/drawing/2014/main" id="{40DADB8D-AF59-F0B4-9833-23E330A8D926}"/>
-              </a:ext>
-            </a:extLst>
-          </p:cNvPr>
+          <p:cNvPr id="2" name="Title 1"/>
           <p:cNvSpPr>
             <a:spLocks noGrp="1"/>
           </p:cNvSpPr>
@@ -1506,8 +1332,8 @@
         </p:nvSpPr>
         <p:spPr>
           <a:xfrm>
-            <a:off x="839788" y="365125"/>
-            <a:ext cx="10515600" cy="1325563"/>
+            <a:off x="839788" y="229978"/>
+            <a:ext cx="10515600" cy="834921"/>
           </a:xfrm>
         </p:spPr>
         <p:txBody>
@@ -1518,18 +1344,13 @@
               <a:rPr lang="zh-CN" altLang="en-US"/>
               <a:t>单击此处编辑母版标题样式</a:t>
             </a:r>
-          </a:p>
-        </p:txBody>
-      </p:sp>
-      <p:sp>
-        <p:nvSpPr>
-          <p:cNvPr id="3" name="文本占位符 2">
-            <a:extLst>
-              <a:ext uri="{FF2B5EF4-FFF2-40B4-BE49-F238E27FC236}">
-                <a16:creationId xmlns:a16="http://schemas.microsoft.com/office/drawing/2014/main" id="{26A58E24-F6F7-8671-E0B5-8D86D046797D}"/>
-              </a:ext>
-            </a:extLst>
-          </p:cNvPr>
+            <a:endParaRPr lang="en-US" dirty="0"/>
+          </a:p>
+        </p:txBody>
+      </p:sp>
+      <p:sp>
+        <p:nvSpPr>
+          <p:cNvPr id="3" name="Text Placeholder 2"/>
           <p:cNvSpPr>
             <a:spLocks noGrp="1"/>
           </p:cNvSpPr>
@@ -1539,8 +1360,8 @@
         </p:nvSpPr>
         <p:spPr>
           <a:xfrm>
-            <a:off x="839788" y="1681163"/>
-            <a:ext cx="5157787" cy="823912"/>
+            <a:off x="839789" y="1058899"/>
+            <a:ext cx="5157787" cy="518950"/>
           </a:xfrm>
         </p:spPr>
         <p:txBody>
@@ -1548,39 +1369,39 @@
           <a:lstStyle>
             <a:lvl1pPr marL="0" indent="0">
               <a:buNone/>
-              <a:defRPr sz="2400" b="1"/>
+              <a:defRPr sz="1512" b="1"/>
             </a:lvl1pPr>
-            <a:lvl2pPr marL="457200" indent="0">
-              <a:buNone/>
-              <a:defRPr sz="2000" b="1"/>
+            <a:lvl2pPr marL="287990" indent="0">
+              <a:buNone/>
+              <a:defRPr sz="1260" b="1"/>
             </a:lvl2pPr>
-            <a:lvl3pPr marL="914400" indent="0">
-              <a:buNone/>
-              <a:defRPr sz="1800" b="1"/>
+            <a:lvl3pPr marL="575981" indent="0">
+              <a:buNone/>
+              <a:defRPr sz="1134" b="1"/>
             </a:lvl3pPr>
-            <a:lvl4pPr marL="1371600" indent="0">
-              <a:buNone/>
-              <a:defRPr sz="1600" b="1"/>
+            <a:lvl4pPr marL="863971" indent="0">
+              <a:buNone/>
+              <a:defRPr sz="1008" b="1"/>
             </a:lvl4pPr>
-            <a:lvl5pPr marL="1828800" indent="0">
-              <a:buNone/>
-              <a:defRPr sz="1600" b="1"/>
+            <a:lvl5pPr marL="1151961" indent="0">
+              <a:buNone/>
+              <a:defRPr sz="1008" b="1"/>
             </a:lvl5pPr>
-            <a:lvl6pPr marL="2286000" indent="0">
-              <a:buNone/>
-              <a:defRPr sz="1600" b="1"/>
+            <a:lvl6pPr marL="1439951" indent="0">
+              <a:buNone/>
+              <a:defRPr sz="1008" b="1"/>
             </a:lvl6pPr>
-            <a:lvl7pPr marL="2743200" indent="0">
-              <a:buNone/>
-              <a:defRPr sz="1600" b="1"/>
+            <a:lvl7pPr marL="1727942" indent="0">
+              <a:buNone/>
+              <a:defRPr sz="1008" b="1"/>
             </a:lvl7pPr>
-            <a:lvl8pPr marL="3200400" indent="0">
-              <a:buNone/>
-              <a:defRPr sz="1600" b="1"/>
+            <a:lvl8pPr marL="2015932" indent="0">
+              <a:buNone/>
+              <a:defRPr sz="1008" b="1"/>
             </a:lvl8pPr>
-            <a:lvl9pPr marL="3657600" indent="0">
-              <a:buNone/>
-              <a:defRPr sz="1600" b="1"/>
+            <a:lvl9pPr marL="2303922" indent="0">
+              <a:buNone/>
+              <a:defRPr sz="1008" b="1"/>
             </a:lvl9pPr>
           </a:lstStyle>
           <a:p>
@@ -1594,13 +1415,7 @@
       </p:sp>
       <p:sp>
         <p:nvSpPr>
-          <p:cNvPr id="4" name="内容占位符 3">
-            <a:extLst>
-              <a:ext uri="{FF2B5EF4-FFF2-40B4-BE49-F238E27FC236}">
-                <a16:creationId xmlns:a16="http://schemas.microsoft.com/office/drawing/2014/main" id="{3F6AB046-D18D-5538-081F-5FDCC584AE80}"/>
-              </a:ext>
-            </a:extLst>
-          </p:cNvPr>
+          <p:cNvPr id="4" name="Content Placeholder 3"/>
           <p:cNvSpPr>
             <a:spLocks noGrp="1"/>
           </p:cNvSpPr>
@@ -1610,8 +1425,8 @@
         </p:nvSpPr>
         <p:spPr>
           <a:xfrm>
-            <a:off x="839788" y="2505075"/>
-            <a:ext cx="5157787" cy="3684588"/>
+            <a:off x="839789" y="1577849"/>
+            <a:ext cx="5157787" cy="2320779"/>
           </a:xfrm>
         </p:spPr>
         <p:txBody>
@@ -1651,18 +1466,13 @@
               <a:rPr lang="zh-CN" altLang="en-US"/>
               <a:t>五级</a:t>
             </a:r>
-          </a:p>
-        </p:txBody>
-      </p:sp>
-      <p:sp>
-        <p:nvSpPr>
-          <p:cNvPr id="5" name="文本占位符 4">
-            <a:extLst>
-              <a:ext uri="{FF2B5EF4-FFF2-40B4-BE49-F238E27FC236}">
-                <a16:creationId xmlns:a16="http://schemas.microsoft.com/office/drawing/2014/main" id="{7BEF4120-F4DB-95A1-282A-746830D62C1B}"/>
-              </a:ext>
-            </a:extLst>
-          </p:cNvPr>
+            <a:endParaRPr lang="en-US" dirty="0"/>
+          </a:p>
+        </p:txBody>
+      </p:sp>
+      <p:sp>
+        <p:nvSpPr>
+          <p:cNvPr id="5" name="Text Placeholder 4"/>
           <p:cNvSpPr>
             <a:spLocks noGrp="1"/>
           </p:cNvSpPr>
@@ -1672,8 +1482,8 @@
         </p:nvSpPr>
         <p:spPr>
           <a:xfrm>
-            <a:off x="6172200" y="1681163"/>
-            <a:ext cx="5183188" cy="823912"/>
+            <a:off x="6172200" y="1058899"/>
+            <a:ext cx="5183188" cy="518950"/>
           </a:xfrm>
         </p:spPr>
         <p:txBody>
@@ -1681,39 +1491,39 @@
           <a:lstStyle>
             <a:lvl1pPr marL="0" indent="0">
               <a:buNone/>
-              <a:defRPr sz="2400" b="1"/>
+              <a:defRPr sz="1512" b="1"/>
             </a:lvl1pPr>
-            <a:lvl2pPr marL="457200" indent="0">
-              <a:buNone/>
-              <a:defRPr sz="2000" b="1"/>
+            <a:lvl2pPr marL="287990" indent="0">
+              <a:buNone/>
+              <a:defRPr sz="1260" b="1"/>
             </a:lvl2pPr>
-            <a:lvl3pPr marL="914400" indent="0">
-              <a:buNone/>
-              <a:defRPr sz="1800" b="1"/>
+            <a:lvl3pPr marL="575981" indent="0">
+              <a:buNone/>
+              <a:defRPr sz="1134" b="1"/>
             </a:lvl3pPr>
-            <a:lvl4pPr marL="1371600" indent="0">
-              <a:buNone/>
-              <a:defRPr sz="1600" b="1"/>
+            <a:lvl4pPr marL="863971" indent="0">
+              <a:buNone/>
+              <a:defRPr sz="1008" b="1"/>
             </a:lvl4pPr>
-            <a:lvl5pPr marL="1828800" indent="0">
-              <a:buNone/>
-              <a:defRPr sz="1600" b="1"/>
+            <a:lvl5pPr marL="1151961" indent="0">
+              <a:buNone/>
+              <a:defRPr sz="1008" b="1"/>
             </a:lvl5pPr>
-            <a:lvl6pPr marL="2286000" indent="0">
-              <a:buNone/>
-              <a:defRPr sz="1600" b="1"/>
+            <a:lvl6pPr marL="1439951" indent="0">
+              <a:buNone/>
+              <a:defRPr sz="1008" b="1"/>
             </a:lvl6pPr>
-            <a:lvl7pPr marL="2743200" indent="0">
-              <a:buNone/>
-              <a:defRPr sz="1600" b="1"/>
+            <a:lvl7pPr marL="1727942" indent="0">
+              <a:buNone/>
+              <a:defRPr sz="1008" b="1"/>
             </a:lvl7pPr>
-            <a:lvl8pPr marL="3200400" indent="0">
-              <a:buNone/>
-              <a:defRPr sz="1600" b="1"/>
+            <a:lvl8pPr marL="2015932" indent="0">
+              <a:buNone/>
+              <a:defRPr sz="1008" b="1"/>
             </a:lvl8pPr>
-            <a:lvl9pPr marL="3657600" indent="0">
-              <a:buNone/>
-              <a:defRPr sz="1600" b="1"/>
+            <a:lvl9pPr marL="2303922" indent="0">
+              <a:buNone/>
+              <a:defRPr sz="1008" b="1"/>
             </a:lvl9pPr>
           </a:lstStyle>
           <a:p>
@@ -1727,13 +1537,7 @@
       </p:sp>
       <p:sp>
         <p:nvSpPr>
-          <p:cNvPr id="6" name="内容占位符 5">
-            <a:extLst>
-              <a:ext uri="{FF2B5EF4-FFF2-40B4-BE49-F238E27FC236}">
-                <a16:creationId xmlns:a16="http://schemas.microsoft.com/office/drawing/2014/main" id="{A0C6DBEC-CA3C-5692-773E-0E2CA122A4A5}"/>
-              </a:ext>
-            </a:extLst>
-          </p:cNvPr>
+          <p:cNvPr id="6" name="Content Placeholder 5"/>
           <p:cNvSpPr>
             <a:spLocks noGrp="1"/>
           </p:cNvSpPr>
@@ -1743,8 +1547,8 @@
         </p:nvSpPr>
         <p:spPr>
           <a:xfrm>
-            <a:off x="6172200" y="2505075"/>
-            <a:ext cx="5183188" cy="3684588"/>
+            <a:off x="6172200" y="1577849"/>
+            <a:ext cx="5183188" cy="2320779"/>
           </a:xfrm>
         </p:spPr>
         <p:txBody>
@@ -1784,18 +1588,13 @@
               <a:rPr lang="zh-CN" altLang="en-US"/>
               <a:t>五级</a:t>
             </a:r>
-          </a:p>
-        </p:txBody>
-      </p:sp>
-      <p:sp>
-        <p:nvSpPr>
-          <p:cNvPr id="7" name="日期占位符 6">
-            <a:extLst>
-              <a:ext uri="{FF2B5EF4-FFF2-40B4-BE49-F238E27FC236}">
-                <a16:creationId xmlns:a16="http://schemas.microsoft.com/office/drawing/2014/main" id="{CB3E7F60-DC19-D075-9D7D-1B77CB98D1CA}"/>
-              </a:ext>
-            </a:extLst>
-          </p:cNvPr>
+            <a:endParaRPr lang="en-US" dirty="0"/>
+          </a:p>
+        </p:txBody>
+      </p:sp>
+      <p:sp>
+        <p:nvSpPr>
+          <p:cNvPr id="7" name="Date Placeholder 6"/>
           <p:cNvSpPr>
             <a:spLocks noGrp="1"/>
           </p:cNvSpPr>
@@ -1818,13 +1617,7 @@
       </p:sp>
       <p:sp>
         <p:nvSpPr>
-          <p:cNvPr id="8" name="页脚占位符 7">
-            <a:extLst>
-              <a:ext uri="{FF2B5EF4-FFF2-40B4-BE49-F238E27FC236}">
-                <a16:creationId xmlns:a16="http://schemas.microsoft.com/office/drawing/2014/main" id="{EDF0C1BC-7370-33FD-353D-39D0E5463ECC}"/>
-              </a:ext>
-            </a:extLst>
-          </p:cNvPr>
+          <p:cNvPr id="8" name="Footer Placeholder 7"/>
           <p:cNvSpPr>
             <a:spLocks noGrp="1"/>
           </p:cNvSpPr>
@@ -1843,13 +1636,7 @@
       </p:sp>
       <p:sp>
         <p:nvSpPr>
-          <p:cNvPr id="9" name="灯片编号占位符 8">
-            <a:extLst>
-              <a:ext uri="{FF2B5EF4-FFF2-40B4-BE49-F238E27FC236}">
-                <a16:creationId xmlns:a16="http://schemas.microsoft.com/office/drawing/2014/main" id="{80FBD8CF-9078-B29A-5678-D82957F2E622}"/>
-              </a:ext>
-            </a:extLst>
-          </p:cNvPr>
+          <p:cNvPr id="9" name="Slide Number Placeholder 8"/>
           <p:cNvSpPr>
             <a:spLocks noGrp="1"/>
           </p:cNvSpPr>
@@ -1873,7 +1660,7 @@
     </p:spTree>
     <p:extLst>
       <p:ext uri="{BB962C8B-B14F-4D97-AF65-F5344CB8AC3E}">
-        <p14:creationId xmlns:p14="http://schemas.microsoft.com/office/powerpoint/2010/main" val="95318292"/>
+        <p14:creationId xmlns:p14="http://schemas.microsoft.com/office/powerpoint/2010/main" val="2913158428"/>
       </p:ext>
     </p:extLst>
   </p:cSld>
@@ -1902,13 +1689,7 @@
       </p:grpSpPr>
       <p:sp>
         <p:nvSpPr>
-          <p:cNvPr id="2" name="标题 1">
-            <a:extLst>
-              <a:ext uri="{FF2B5EF4-FFF2-40B4-BE49-F238E27FC236}">
-                <a16:creationId xmlns:a16="http://schemas.microsoft.com/office/drawing/2014/main" id="{2BAAFDFD-D9F2-A93A-8BED-B5480386A614}"/>
-              </a:ext>
-            </a:extLst>
-          </p:cNvPr>
+          <p:cNvPr id="2" name="Title 1"/>
           <p:cNvSpPr>
             <a:spLocks noGrp="1"/>
           </p:cNvSpPr>
@@ -1925,18 +1706,13 @@
               <a:rPr lang="zh-CN" altLang="en-US"/>
               <a:t>单击此处编辑母版标题样式</a:t>
             </a:r>
-          </a:p>
-        </p:txBody>
-      </p:sp>
-      <p:sp>
-        <p:nvSpPr>
-          <p:cNvPr id="3" name="日期占位符 2">
-            <a:extLst>
-              <a:ext uri="{FF2B5EF4-FFF2-40B4-BE49-F238E27FC236}">
-                <a16:creationId xmlns:a16="http://schemas.microsoft.com/office/drawing/2014/main" id="{C6BF6ACA-6614-FD06-0379-07EFDF8E35A2}"/>
-              </a:ext>
-            </a:extLst>
-          </p:cNvPr>
+            <a:endParaRPr lang="en-US" dirty="0"/>
+          </a:p>
+        </p:txBody>
+      </p:sp>
+      <p:sp>
+        <p:nvSpPr>
+          <p:cNvPr id="3" name="Date Placeholder 2"/>
           <p:cNvSpPr>
             <a:spLocks noGrp="1"/>
           </p:cNvSpPr>
@@ -1959,13 +1735,7 @@
       </p:sp>
       <p:sp>
         <p:nvSpPr>
-          <p:cNvPr id="4" name="页脚占位符 3">
-            <a:extLst>
-              <a:ext uri="{FF2B5EF4-FFF2-40B4-BE49-F238E27FC236}">
-                <a16:creationId xmlns:a16="http://schemas.microsoft.com/office/drawing/2014/main" id="{9AC9E845-A2F5-D6E0-863C-49F290B8FBAD}"/>
-              </a:ext>
-            </a:extLst>
-          </p:cNvPr>
+          <p:cNvPr id="4" name="Footer Placeholder 3"/>
           <p:cNvSpPr>
             <a:spLocks noGrp="1"/>
           </p:cNvSpPr>
@@ -1984,13 +1754,7 @@
       </p:sp>
       <p:sp>
         <p:nvSpPr>
-          <p:cNvPr id="5" name="灯片编号占位符 4">
-            <a:extLst>
-              <a:ext uri="{FF2B5EF4-FFF2-40B4-BE49-F238E27FC236}">
-                <a16:creationId xmlns:a16="http://schemas.microsoft.com/office/drawing/2014/main" id="{40712E9F-950C-16B9-01B9-DD260617DD68}"/>
-              </a:ext>
-            </a:extLst>
-          </p:cNvPr>
+          <p:cNvPr id="5" name="Slide Number Placeholder 4"/>
           <p:cNvSpPr>
             <a:spLocks noGrp="1"/>
           </p:cNvSpPr>
@@ -2014,7 +1778,7 @@
     </p:spTree>
     <p:extLst>
       <p:ext uri="{BB962C8B-B14F-4D97-AF65-F5344CB8AC3E}">
-        <p14:creationId xmlns:p14="http://schemas.microsoft.com/office/powerpoint/2010/main" val="4078291564"/>
+        <p14:creationId xmlns:p14="http://schemas.microsoft.com/office/powerpoint/2010/main" val="2548725190"/>
       </p:ext>
     </p:extLst>
   </p:cSld>
@@ -2043,13 +1807,7 @@
       </p:grpSpPr>
       <p:sp>
         <p:nvSpPr>
-          <p:cNvPr id="2" name="日期占位符 1">
-            <a:extLst>
-              <a:ext uri="{FF2B5EF4-FFF2-40B4-BE49-F238E27FC236}">
-                <a16:creationId xmlns:a16="http://schemas.microsoft.com/office/drawing/2014/main" id="{3AB693FB-8E1C-6B38-919A-AD8AF17F3382}"/>
-              </a:ext>
-            </a:extLst>
-          </p:cNvPr>
+          <p:cNvPr id="2" name="Date Placeholder 1"/>
           <p:cNvSpPr>
             <a:spLocks noGrp="1"/>
           </p:cNvSpPr>
@@ -2072,13 +1830,7 @@
       </p:sp>
       <p:sp>
         <p:nvSpPr>
-          <p:cNvPr id="3" name="页脚占位符 2">
-            <a:extLst>
-              <a:ext uri="{FF2B5EF4-FFF2-40B4-BE49-F238E27FC236}">
-                <a16:creationId xmlns:a16="http://schemas.microsoft.com/office/drawing/2014/main" id="{777A12EC-9D97-4BDD-0A3D-7F6CEBC221E5}"/>
-              </a:ext>
-            </a:extLst>
-          </p:cNvPr>
+          <p:cNvPr id="3" name="Footer Placeholder 2"/>
           <p:cNvSpPr>
             <a:spLocks noGrp="1"/>
           </p:cNvSpPr>
@@ -2097,13 +1849,7 @@
       </p:sp>
       <p:sp>
         <p:nvSpPr>
-          <p:cNvPr id="4" name="灯片编号占位符 3">
-            <a:extLst>
-              <a:ext uri="{FF2B5EF4-FFF2-40B4-BE49-F238E27FC236}">
-                <a16:creationId xmlns:a16="http://schemas.microsoft.com/office/drawing/2014/main" id="{00009BC2-81CE-A4D1-8F09-52E92B6714FA}"/>
-              </a:ext>
-            </a:extLst>
-          </p:cNvPr>
+          <p:cNvPr id="4" name="Slide Number Placeholder 3"/>
           <p:cNvSpPr>
             <a:spLocks noGrp="1"/>
           </p:cNvSpPr>
@@ -2127,7 +1873,7 @@
     </p:spTree>
     <p:extLst>
       <p:ext uri="{BB962C8B-B14F-4D97-AF65-F5344CB8AC3E}">
-        <p14:creationId xmlns:p14="http://schemas.microsoft.com/office/powerpoint/2010/main" val="2305141275"/>
+        <p14:creationId xmlns:p14="http://schemas.microsoft.com/office/powerpoint/2010/main" val="3685169947"/>
       </p:ext>
     </p:extLst>
   </p:cSld>
@@ -2156,13 +1902,7 @@
       </p:grpSpPr>
       <p:sp>
         <p:nvSpPr>
-          <p:cNvPr id="2" name="标题 1">
-            <a:extLst>
-              <a:ext uri="{FF2B5EF4-FFF2-40B4-BE49-F238E27FC236}">
-                <a16:creationId xmlns:a16="http://schemas.microsoft.com/office/drawing/2014/main" id="{59309A4C-5876-F20D-5667-EFA53964E6EC}"/>
-              </a:ext>
-            </a:extLst>
-          </p:cNvPr>
+          <p:cNvPr id="2" name="Title 1"/>
           <p:cNvSpPr>
             <a:spLocks noGrp="1"/>
           </p:cNvSpPr>
@@ -2172,15 +1912,15 @@
         </p:nvSpPr>
         <p:spPr>
           <a:xfrm>
-            <a:off x="839788" y="457200"/>
-            <a:ext cx="3932237" cy="1600200"/>
+            <a:off x="839789" y="287972"/>
+            <a:ext cx="3932237" cy="1007904"/>
           </a:xfrm>
         </p:spPr>
         <p:txBody>
           <a:bodyPr anchor="b"/>
           <a:lstStyle>
             <a:lvl1pPr>
-              <a:defRPr sz="3200"/>
+              <a:defRPr sz="2016"/>
             </a:lvl1pPr>
           </a:lstStyle>
           <a:p>
@@ -2188,18 +1928,13 @@
               <a:rPr lang="zh-CN" altLang="en-US"/>
               <a:t>单击此处编辑母版标题样式</a:t>
             </a:r>
-          </a:p>
-        </p:txBody>
-      </p:sp>
-      <p:sp>
-        <p:nvSpPr>
-          <p:cNvPr id="3" name="内容占位符 2">
-            <a:extLst>
-              <a:ext uri="{FF2B5EF4-FFF2-40B4-BE49-F238E27FC236}">
-                <a16:creationId xmlns:a16="http://schemas.microsoft.com/office/drawing/2014/main" id="{5791D19B-6A6E-1949-94CD-8F721A963CBA}"/>
-              </a:ext>
-            </a:extLst>
-          </p:cNvPr>
+            <a:endParaRPr lang="en-US" dirty="0"/>
+          </a:p>
+        </p:txBody>
+      </p:sp>
+      <p:sp>
+        <p:nvSpPr>
+          <p:cNvPr id="3" name="Content Placeholder 2"/>
           <p:cNvSpPr>
             <a:spLocks noGrp="1"/>
           </p:cNvSpPr>
@@ -2209,39 +1944,39 @@
         </p:nvSpPr>
         <p:spPr>
           <a:xfrm>
-            <a:off x="5183188" y="987425"/>
-            <a:ext cx="6172200" cy="4873625"/>
+            <a:off x="5183188" y="621941"/>
+            <a:ext cx="6172200" cy="3069707"/>
           </a:xfrm>
         </p:spPr>
         <p:txBody>
           <a:bodyPr/>
           <a:lstStyle>
             <a:lvl1pPr>
-              <a:defRPr sz="3200"/>
+              <a:defRPr sz="2016"/>
             </a:lvl1pPr>
             <a:lvl2pPr>
-              <a:defRPr sz="2800"/>
+              <a:defRPr sz="1764"/>
             </a:lvl2pPr>
             <a:lvl3pPr>
-              <a:defRPr sz="2400"/>
+              <a:defRPr sz="1512"/>
             </a:lvl3pPr>
             <a:lvl4pPr>
-              <a:defRPr sz="2000"/>
+              <a:defRPr sz="1260"/>
             </a:lvl4pPr>
             <a:lvl5pPr>
-              <a:defRPr sz="2000"/>
+              <a:defRPr sz="1260"/>
             </a:lvl5pPr>
             <a:lvl6pPr>
-              <a:defRPr sz="2000"/>
+              <a:defRPr sz="1260"/>
             </a:lvl6pPr>
             <a:lvl7pPr>
-              <a:defRPr sz="2000"/>
+              <a:defRPr sz="1260"/>
             </a:lvl7pPr>
             <a:lvl8pPr>
-              <a:defRPr sz="2000"/>
+              <a:defRPr sz="1260"/>
             </a:lvl8pPr>
             <a:lvl9pPr>
-              <a:defRPr sz="2000"/>
+              <a:defRPr sz="1260"/>
             </a:lvl9pPr>
           </a:lstStyle>
           <a:p>
@@ -2278,18 +2013,13 @@
               <a:rPr lang="zh-CN" altLang="en-US"/>
               <a:t>五级</a:t>
             </a:r>
-          </a:p>
-        </p:txBody>
-      </p:sp>
-      <p:sp>
-        <p:nvSpPr>
-          <p:cNvPr id="4" name="文本占位符 3">
-            <a:extLst>
-              <a:ext uri="{FF2B5EF4-FFF2-40B4-BE49-F238E27FC236}">
-                <a16:creationId xmlns:a16="http://schemas.microsoft.com/office/drawing/2014/main" id="{A062EF5E-3D96-77F5-7ACC-60C8CF8A3F5B}"/>
-              </a:ext>
-            </a:extLst>
-          </p:cNvPr>
+            <a:endParaRPr lang="en-US" dirty="0"/>
+          </a:p>
+        </p:txBody>
+      </p:sp>
+      <p:sp>
+        <p:nvSpPr>
+          <p:cNvPr id="4" name="Text Placeholder 3"/>
           <p:cNvSpPr>
             <a:spLocks noGrp="1"/>
           </p:cNvSpPr>
@@ -2299,8 +2029,8 @@
         </p:nvSpPr>
         <p:spPr>
           <a:xfrm>
-            <a:off x="839788" y="2057400"/>
-            <a:ext cx="3932237" cy="3811588"/>
+            <a:off x="839789" y="1295877"/>
+            <a:ext cx="3932237" cy="2400771"/>
           </a:xfrm>
         </p:spPr>
         <p:txBody>
@@ -2308,39 +2038,39 @@
           <a:lstStyle>
             <a:lvl1pPr marL="0" indent="0">
               <a:buNone/>
-              <a:defRPr sz="1600"/>
+              <a:defRPr sz="1008"/>
             </a:lvl1pPr>
-            <a:lvl2pPr marL="457200" indent="0">
-              <a:buNone/>
-              <a:defRPr sz="1400"/>
+            <a:lvl2pPr marL="287990" indent="0">
+              <a:buNone/>
+              <a:defRPr sz="882"/>
             </a:lvl2pPr>
-            <a:lvl3pPr marL="914400" indent="0">
-              <a:buNone/>
-              <a:defRPr sz="1200"/>
+            <a:lvl3pPr marL="575981" indent="0">
+              <a:buNone/>
+              <a:defRPr sz="756"/>
             </a:lvl3pPr>
-            <a:lvl4pPr marL="1371600" indent="0">
-              <a:buNone/>
-              <a:defRPr sz="1000"/>
+            <a:lvl4pPr marL="863971" indent="0">
+              <a:buNone/>
+              <a:defRPr sz="630"/>
             </a:lvl4pPr>
-            <a:lvl5pPr marL="1828800" indent="0">
-              <a:buNone/>
-              <a:defRPr sz="1000"/>
+            <a:lvl5pPr marL="1151961" indent="0">
+              <a:buNone/>
+              <a:defRPr sz="630"/>
             </a:lvl5pPr>
-            <a:lvl6pPr marL="2286000" indent="0">
-              <a:buNone/>
-              <a:defRPr sz="1000"/>
+            <a:lvl6pPr marL="1439951" indent="0">
+              <a:buNone/>
+              <a:defRPr sz="630"/>
             </a:lvl6pPr>
-            <a:lvl7pPr marL="2743200" indent="0">
-              <a:buNone/>
-              <a:defRPr sz="1000"/>
+            <a:lvl7pPr marL="1727942" indent="0">
+              <a:buNone/>
+              <a:defRPr sz="630"/>
             </a:lvl7pPr>
-            <a:lvl8pPr marL="3200400" indent="0">
-              <a:buNone/>
-              <a:defRPr sz="1000"/>
+            <a:lvl8pPr marL="2015932" indent="0">
+              <a:buNone/>
+              <a:defRPr sz="630"/>
             </a:lvl8pPr>
-            <a:lvl9pPr marL="3657600" indent="0">
-              <a:buNone/>
-              <a:defRPr sz="1000"/>
+            <a:lvl9pPr marL="2303922" indent="0">
+              <a:buNone/>
+              <a:defRPr sz="630"/>
             </a:lvl9pPr>
           </a:lstStyle>
           <a:p>
@@ -2354,13 +2084,7 @@
       </p:sp>
       <p:sp>
         <p:nvSpPr>
-          <p:cNvPr id="5" name="日期占位符 4">
-            <a:extLst>
-              <a:ext uri="{FF2B5EF4-FFF2-40B4-BE49-F238E27FC236}">
-                <a16:creationId xmlns:a16="http://schemas.microsoft.com/office/drawing/2014/main" id="{986BB596-0987-8F47-3872-430566C7339E}"/>
-              </a:ext>
-            </a:extLst>
-          </p:cNvPr>
+          <p:cNvPr id="5" name="Date Placeholder 4"/>
           <p:cNvSpPr>
             <a:spLocks noGrp="1"/>
           </p:cNvSpPr>
@@ -2383,13 +2107,7 @@
       </p:sp>
       <p:sp>
         <p:nvSpPr>
-          <p:cNvPr id="6" name="页脚占位符 5">
-            <a:extLst>
-              <a:ext uri="{FF2B5EF4-FFF2-40B4-BE49-F238E27FC236}">
-                <a16:creationId xmlns:a16="http://schemas.microsoft.com/office/drawing/2014/main" id="{7FCC073A-0517-776B-35BE-31C44BD93D0C}"/>
-              </a:ext>
-            </a:extLst>
-          </p:cNvPr>
+          <p:cNvPr id="6" name="Footer Placeholder 5"/>
           <p:cNvSpPr>
             <a:spLocks noGrp="1"/>
           </p:cNvSpPr>
@@ -2408,13 +2126,7 @@
       </p:sp>
       <p:sp>
         <p:nvSpPr>
-          <p:cNvPr id="7" name="灯片编号占位符 6">
-            <a:extLst>
-              <a:ext uri="{FF2B5EF4-FFF2-40B4-BE49-F238E27FC236}">
-                <a16:creationId xmlns:a16="http://schemas.microsoft.com/office/drawing/2014/main" id="{DA1E3953-A025-82A7-D353-CD5A8B3DAD7C}"/>
-              </a:ext>
-            </a:extLst>
-          </p:cNvPr>
+          <p:cNvPr id="7" name="Slide Number Placeholder 6"/>
           <p:cNvSpPr>
             <a:spLocks noGrp="1"/>
           </p:cNvSpPr>
@@ -2438,7 +2150,7 @@
     </p:spTree>
     <p:extLst>
       <p:ext uri="{BB962C8B-B14F-4D97-AF65-F5344CB8AC3E}">
-        <p14:creationId xmlns:p14="http://schemas.microsoft.com/office/powerpoint/2010/main" val="3426534754"/>
+        <p14:creationId xmlns:p14="http://schemas.microsoft.com/office/powerpoint/2010/main" val="2912435405"/>
       </p:ext>
     </p:extLst>
   </p:cSld>
@@ -2467,13 +2179,7 @@
       </p:grpSpPr>
       <p:sp>
         <p:nvSpPr>
-          <p:cNvPr id="2" name="标题 1">
-            <a:extLst>
-              <a:ext uri="{FF2B5EF4-FFF2-40B4-BE49-F238E27FC236}">
-                <a16:creationId xmlns:a16="http://schemas.microsoft.com/office/drawing/2014/main" id="{E4738C27-496D-88DE-B26D-353AE78EDA68}"/>
-              </a:ext>
-            </a:extLst>
-          </p:cNvPr>
+          <p:cNvPr id="2" name="Title 1"/>
           <p:cNvSpPr>
             <a:spLocks noGrp="1"/>
           </p:cNvSpPr>
@@ -2483,15 +2189,15 @@
         </p:nvSpPr>
         <p:spPr>
           <a:xfrm>
-            <a:off x="839788" y="457200"/>
-            <a:ext cx="3932237" cy="1600200"/>
+            <a:off x="839789" y="287972"/>
+            <a:ext cx="3932237" cy="1007904"/>
           </a:xfrm>
         </p:spPr>
         <p:txBody>
           <a:bodyPr anchor="b"/>
           <a:lstStyle>
             <a:lvl1pPr>
-              <a:defRPr sz="3200"/>
+              <a:defRPr sz="2016"/>
             </a:lvl1pPr>
           </a:lstStyle>
           <a:p>
@@ -2499,20 +2205,15 @@
               <a:rPr lang="zh-CN" altLang="en-US"/>
               <a:t>单击此处编辑母版标题样式</a:t>
             </a:r>
-          </a:p>
-        </p:txBody>
-      </p:sp>
-      <p:sp>
-        <p:nvSpPr>
-          <p:cNvPr id="3" name="图片占位符 2">
-            <a:extLst>
-              <a:ext uri="{FF2B5EF4-FFF2-40B4-BE49-F238E27FC236}">
-                <a16:creationId xmlns:a16="http://schemas.microsoft.com/office/drawing/2014/main" id="{FBFE60A8-15CE-7D3D-E077-83DC12693D87}"/>
-              </a:ext>
-            </a:extLst>
-          </p:cNvPr>
-          <p:cNvSpPr>
-            <a:spLocks noGrp="1"/>
+            <a:endParaRPr lang="en-US" dirty="0"/>
+          </a:p>
+        </p:txBody>
+      </p:sp>
+      <p:sp>
+        <p:nvSpPr>
+          <p:cNvPr id="3" name="Picture Placeholder 2"/>
+          <p:cNvSpPr>
+            <a:spLocks noGrp="1" noChangeAspect="1"/>
           </p:cNvSpPr>
           <p:nvPr>
             <p:ph type="pic" idx="1"/>
@@ -2520,64 +2221,62 @@
         </p:nvSpPr>
         <p:spPr>
           <a:xfrm>
-            <a:off x="5183188" y="987425"/>
-            <a:ext cx="6172200" cy="4873625"/>
+            <a:off x="5183188" y="621941"/>
+            <a:ext cx="6172200" cy="3069707"/>
           </a:xfrm>
         </p:spPr>
         <p:txBody>
-          <a:bodyPr/>
+          <a:bodyPr anchor="t"/>
           <a:lstStyle>
             <a:lvl1pPr marL="0" indent="0">
               <a:buNone/>
-              <a:defRPr sz="3200"/>
+              <a:defRPr sz="2016"/>
             </a:lvl1pPr>
-            <a:lvl2pPr marL="457200" indent="0">
-              <a:buNone/>
-              <a:defRPr sz="2800"/>
+            <a:lvl2pPr marL="287990" indent="0">
+              <a:buNone/>
+              <a:defRPr sz="1764"/>
             </a:lvl2pPr>
-            <a:lvl3pPr marL="914400" indent="0">
-              <a:buNone/>
-              <a:defRPr sz="2400"/>
+            <a:lvl3pPr marL="575981" indent="0">
+              <a:buNone/>
+              <a:defRPr sz="1512"/>
             </a:lvl3pPr>
-            <a:lvl4pPr marL="1371600" indent="0">
-              <a:buNone/>
-              <a:defRPr sz="2000"/>
+            <a:lvl4pPr marL="863971" indent="0">
+              <a:buNone/>
+              <a:defRPr sz="1260"/>
             </a:lvl4pPr>
-            <a:lvl5pPr marL="1828800" indent="0">
-              <a:buNone/>
-              <a:defRPr sz="2000"/>
+            <a:lvl5pPr marL="1151961" indent="0">
+              <a:buNone/>
+              <a:defRPr sz="1260"/>
             </a:lvl5pPr>
-            <a:lvl6pPr marL="2286000" indent="0">
-              <a:buNone/>
-              <a:defRPr sz="2000"/>
+            <a:lvl6pPr marL="1439951" indent="0">
+              <a:buNone/>
+              <a:defRPr sz="1260"/>
             </a:lvl6pPr>
-            <a:lvl7pPr marL="2743200" indent="0">
-              <a:buNone/>
-              <a:defRPr sz="2000"/>
+            <a:lvl7pPr marL="1727942" indent="0">
+              <a:buNone/>
+              <a:defRPr sz="1260"/>
             </a:lvl7pPr>
-            <a:lvl8pPr marL="3200400" indent="0">
-              <a:buNone/>
-              <a:defRPr sz="2000"/>
+            <a:lvl8pPr marL="2015932" indent="0">
+              <a:buNone/>
+              <a:defRPr sz="1260"/>
             </a:lvl8pPr>
-            <a:lvl9pPr marL="3657600" indent="0">
-              <a:buNone/>
-              <a:defRPr sz="2000"/>
+            <a:lvl9pPr marL="2303922" indent="0">
+              <a:buNone/>
+              <a:defRPr sz="1260"/>
             </a:lvl9pPr>
           </a:lstStyle>
           <a:p>
-            <a:endParaRPr lang="zh-CN" altLang="en-US"/>
-          </a:p>
-        </p:txBody>
-      </p:sp>
-      <p:sp>
-        <p:nvSpPr>
-          <p:cNvPr id="4" name="文本占位符 3">
-            <a:extLst>
-              <a:ext uri="{FF2B5EF4-FFF2-40B4-BE49-F238E27FC236}">
-                <a16:creationId xmlns:a16="http://schemas.microsoft.com/office/drawing/2014/main" id="{9729828C-98CF-1A30-3AEB-67CA59112788}"/>
-              </a:ext>
-            </a:extLst>
-          </p:cNvPr>
+            <a:r>
+              <a:rPr lang="zh-CN" altLang="en-US"/>
+              <a:t>单击图标添加图片</a:t>
+            </a:r>
+            <a:endParaRPr lang="en-US" dirty="0"/>
+          </a:p>
+        </p:txBody>
+      </p:sp>
+      <p:sp>
+        <p:nvSpPr>
+          <p:cNvPr id="4" name="Text Placeholder 3"/>
           <p:cNvSpPr>
             <a:spLocks noGrp="1"/>
           </p:cNvSpPr>
@@ -2587,8 +2286,8 @@
         </p:nvSpPr>
         <p:spPr>
           <a:xfrm>
-            <a:off x="839788" y="2057400"/>
-            <a:ext cx="3932237" cy="3811588"/>
+            <a:off x="839789" y="1295877"/>
+            <a:ext cx="3932237" cy="2400771"/>
           </a:xfrm>
         </p:spPr>
         <p:txBody>
@@ -2596,39 +2295,39 @@
           <a:lstStyle>
             <a:lvl1pPr marL="0" indent="0">
               <a:buNone/>
-              <a:defRPr sz="1600"/>
+              <a:defRPr sz="1008"/>
             </a:lvl1pPr>
-            <a:lvl2pPr marL="457200" indent="0">
-              <a:buNone/>
-              <a:defRPr sz="1400"/>
+            <a:lvl2pPr marL="287990" indent="0">
+              <a:buNone/>
+              <a:defRPr sz="882"/>
             </a:lvl2pPr>
-            <a:lvl3pPr marL="914400" indent="0">
-              <a:buNone/>
-              <a:defRPr sz="1200"/>
+            <a:lvl3pPr marL="575981" indent="0">
+              <a:buNone/>
+              <a:defRPr sz="756"/>
             </a:lvl3pPr>
-            <a:lvl4pPr marL="1371600" indent="0">
-              <a:buNone/>
-              <a:defRPr sz="1000"/>
+            <a:lvl4pPr marL="863971" indent="0">
+              <a:buNone/>
+              <a:defRPr sz="630"/>
             </a:lvl4pPr>
-            <a:lvl5pPr marL="1828800" indent="0">
-              <a:buNone/>
-              <a:defRPr sz="1000"/>
+            <a:lvl5pPr marL="1151961" indent="0">
+              <a:buNone/>
+              <a:defRPr sz="630"/>
             </a:lvl5pPr>
-            <a:lvl6pPr marL="2286000" indent="0">
-              <a:buNone/>
-              <a:defRPr sz="1000"/>
+            <a:lvl6pPr marL="1439951" indent="0">
+              <a:buNone/>
+              <a:defRPr sz="630"/>
             </a:lvl6pPr>
-            <a:lvl7pPr marL="2743200" indent="0">
-              <a:buNone/>
-              <a:defRPr sz="1000"/>
+            <a:lvl7pPr marL="1727942" indent="0">
+              <a:buNone/>
+              <a:defRPr sz="630"/>
             </a:lvl7pPr>
-            <a:lvl8pPr marL="3200400" indent="0">
-              <a:buNone/>
-              <a:defRPr sz="1000"/>
+            <a:lvl8pPr marL="2015932" indent="0">
+              <a:buNone/>
+              <a:defRPr sz="630"/>
             </a:lvl8pPr>
-            <a:lvl9pPr marL="3657600" indent="0">
-              <a:buNone/>
-              <a:defRPr sz="1000"/>
+            <a:lvl9pPr marL="2303922" indent="0">
+              <a:buNone/>
+              <a:defRPr sz="630"/>
             </a:lvl9pPr>
           </a:lstStyle>
           <a:p>
@@ -2642,13 +2341,7 @@
       </p:sp>
       <p:sp>
         <p:nvSpPr>
-          <p:cNvPr id="5" name="日期占位符 4">
-            <a:extLst>
-              <a:ext uri="{FF2B5EF4-FFF2-40B4-BE49-F238E27FC236}">
-                <a16:creationId xmlns:a16="http://schemas.microsoft.com/office/drawing/2014/main" id="{73612BC7-6AEE-AFE1-FDC4-D899250D49AD}"/>
-              </a:ext>
-            </a:extLst>
-          </p:cNvPr>
+          <p:cNvPr id="5" name="Date Placeholder 4"/>
           <p:cNvSpPr>
             <a:spLocks noGrp="1"/>
           </p:cNvSpPr>
@@ -2671,13 +2364,7 @@
       </p:sp>
       <p:sp>
         <p:nvSpPr>
-          <p:cNvPr id="6" name="页脚占位符 5">
-            <a:extLst>
-              <a:ext uri="{FF2B5EF4-FFF2-40B4-BE49-F238E27FC236}">
-                <a16:creationId xmlns:a16="http://schemas.microsoft.com/office/drawing/2014/main" id="{729AE0AC-4B11-319D-76F1-18CE854B0BEE}"/>
-              </a:ext>
-            </a:extLst>
-          </p:cNvPr>
+          <p:cNvPr id="6" name="Footer Placeholder 5"/>
           <p:cNvSpPr>
             <a:spLocks noGrp="1"/>
           </p:cNvSpPr>
@@ -2696,13 +2383,7 @@
       </p:sp>
       <p:sp>
         <p:nvSpPr>
-          <p:cNvPr id="7" name="灯片编号占位符 6">
-            <a:extLst>
-              <a:ext uri="{FF2B5EF4-FFF2-40B4-BE49-F238E27FC236}">
-                <a16:creationId xmlns:a16="http://schemas.microsoft.com/office/drawing/2014/main" id="{05D20F6B-8A9D-27E2-7CBC-AE0F4F1E45CA}"/>
-              </a:ext>
-            </a:extLst>
-          </p:cNvPr>
+          <p:cNvPr id="7" name="Slide Number Placeholder 6"/>
           <p:cNvSpPr>
             <a:spLocks noGrp="1"/>
           </p:cNvSpPr>
@@ -2726,7 +2407,7 @@
     </p:spTree>
     <p:extLst>
       <p:ext uri="{BB962C8B-B14F-4D97-AF65-F5344CB8AC3E}">
-        <p14:creationId xmlns:p14="http://schemas.microsoft.com/office/powerpoint/2010/main" val="2920243819"/>
+        <p14:creationId xmlns:p14="http://schemas.microsoft.com/office/powerpoint/2010/main" val="4181145461"/>
       </p:ext>
     </p:extLst>
   </p:cSld>
@@ -2760,13 +2441,7 @@
       </p:grpSpPr>
       <p:sp>
         <p:nvSpPr>
-          <p:cNvPr id="2" name="标题占位符 1">
-            <a:extLst>
-              <a:ext uri="{FF2B5EF4-FFF2-40B4-BE49-F238E27FC236}">
-                <a16:creationId xmlns:a16="http://schemas.microsoft.com/office/drawing/2014/main" id="{8403362A-F523-C07A-49A0-46DFE587F541}"/>
-              </a:ext>
-            </a:extLst>
-          </p:cNvPr>
+          <p:cNvPr id="2" name="Title Placeholder 1"/>
           <p:cNvSpPr>
             <a:spLocks noGrp="1"/>
           </p:cNvSpPr>
@@ -2776,8 +2451,8 @@
         </p:nvSpPr>
         <p:spPr>
           <a:xfrm>
-            <a:off x="838200" y="365125"/>
-            <a:ext cx="10515600" cy="1325563"/>
+            <a:off x="838200" y="229978"/>
+            <a:ext cx="10515600" cy="834921"/>
           </a:xfrm>
           <a:prstGeom prst="rect">
             <a:avLst/>
@@ -2793,18 +2468,13 @@
               <a:rPr lang="zh-CN" altLang="en-US"/>
               <a:t>单击此处编辑母版标题样式</a:t>
             </a:r>
-          </a:p>
-        </p:txBody>
-      </p:sp>
-      <p:sp>
-        <p:nvSpPr>
-          <p:cNvPr id="3" name="文本占位符 2">
-            <a:extLst>
-              <a:ext uri="{FF2B5EF4-FFF2-40B4-BE49-F238E27FC236}">
-                <a16:creationId xmlns:a16="http://schemas.microsoft.com/office/drawing/2014/main" id="{A08FB696-65C1-01E1-DF90-548A4B0BE317}"/>
-              </a:ext>
-            </a:extLst>
-          </p:cNvPr>
+            <a:endParaRPr lang="en-US" dirty="0"/>
+          </a:p>
+        </p:txBody>
+      </p:sp>
+      <p:sp>
+        <p:nvSpPr>
+          <p:cNvPr id="3" name="Text Placeholder 2"/>
           <p:cNvSpPr>
             <a:spLocks noGrp="1"/>
           </p:cNvSpPr>
@@ -2814,8 +2484,8 @@
         </p:nvSpPr>
         <p:spPr>
           <a:xfrm>
-            <a:off x="838200" y="1825625"/>
-            <a:ext cx="10515600" cy="4351338"/>
+            <a:off x="838200" y="1149890"/>
+            <a:ext cx="10515600" cy="2740739"/>
           </a:xfrm>
           <a:prstGeom prst="rect">
             <a:avLst/>
@@ -2860,18 +2530,13 @@
               <a:rPr lang="zh-CN" altLang="en-US"/>
               <a:t>五级</a:t>
             </a:r>
-          </a:p>
-        </p:txBody>
-      </p:sp>
-      <p:sp>
-        <p:nvSpPr>
-          <p:cNvPr id="4" name="日期占位符 3">
-            <a:extLst>
-              <a:ext uri="{FF2B5EF4-FFF2-40B4-BE49-F238E27FC236}">
-                <a16:creationId xmlns:a16="http://schemas.microsoft.com/office/drawing/2014/main" id="{7A62273D-A828-471B-8FA1-4AE38294DFCF}"/>
-              </a:ext>
-            </a:extLst>
-          </p:cNvPr>
+            <a:endParaRPr lang="en-US" dirty="0"/>
+          </a:p>
+        </p:txBody>
+      </p:sp>
+      <p:sp>
+        <p:nvSpPr>
+          <p:cNvPr id="4" name="Date Placeholder 3"/>
           <p:cNvSpPr>
             <a:spLocks noGrp="1"/>
           </p:cNvSpPr>
@@ -2881,8 +2546,8 @@
         </p:nvSpPr>
         <p:spPr>
           <a:xfrm>
-            <a:off x="838200" y="6356350"/>
-            <a:ext cx="2743200" cy="365125"/>
+            <a:off x="838200" y="4003618"/>
+            <a:ext cx="2743200" cy="229978"/>
           </a:xfrm>
           <a:prstGeom prst="rect">
             <a:avLst/>
@@ -2892,7 +2557,7 @@
           <a:bodyPr vert="horz" lIns="91440" tIns="45720" rIns="91440" bIns="45720" rtlCol="0" anchor="ctr"/>
           <a:lstStyle>
             <a:lvl1pPr algn="l">
-              <a:defRPr sz="1200">
+              <a:defRPr sz="756">
                 <a:solidFill>
                   <a:schemeClr val="tx1">
                     <a:tint val="82000"/>
@@ -2912,13 +2577,7 @@
       </p:sp>
       <p:sp>
         <p:nvSpPr>
-          <p:cNvPr id="5" name="页脚占位符 4">
-            <a:extLst>
-              <a:ext uri="{FF2B5EF4-FFF2-40B4-BE49-F238E27FC236}">
-                <a16:creationId xmlns:a16="http://schemas.microsoft.com/office/drawing/2014/main" id="{E662DB8D-21D5-2674-1A3B-D549FBB06021}"/>
-              </a:ext>
-            </a:extLst>
-          </p:cNvPr>
+          <p:cNvPr id="5" name="Footer Placeholder 4"/>
           <p:cNvSpPr>
             <a:spLocks noGrp="1"/>
           </p:cNvSpPr>
@@ -2928,8 +2587,8 @@
         </p:nvSpPr>
         <p:spPr>
           <a:xfrm>
-            <a:off x="4038600" y="6356350"/>
-            <a:ext cx="4114800" cy="365125"/>
+            <a:off x="4038600" y="4003618"/>
+            <a:ext cx="4114800" cy="229978"/>
           </a:xfrm>
           <a:prstGeom prst="rect">
             <a:avLst/>
@@ -2939,7 +2598,7 @@
           <a:bodyPr vert="horz" lIns="91440" tIns="45720" rIns="91440" bIns="45720" rtlCol="0" anchor="ctr"/>
           <a:lstStyle>
             <a:lvl1pPr algn="ctr">
-              <a:defRPr sz="1200">
+              <a:defRPr sz="756">
                 <a:solidFill>
                   <a:schemeClr val="tx1">
                     <a:tint val="82000"/>
@@ -2955,13 +2614,7 @@
       </p:sp>
       <p:sp>
         <p:nvSpPr>
-          <p:cNvPr id="6" name="灯片编号占位符 5">
-            <a:extLst>
-              <a:ext uri="{FF2B5EF4-FFF2-40B4-BE49-F238E27FC236}">
-                <a16:creationId xmlns:a16="http://schemas.microsoft.com/office/drawing/2014/main" id="{FA09C907-F7ED-DB68-6ADD-4A1A20D3AA80}"/>
-              </a:ext>
-            </a:extLst>
-          </p:cNvPr>
+          <p:cNvPr id="6" name="Slide Number Placeholder 5"/>
           <p:cNvSpPr>
             <a:spLocks noGrp="1"/>
           </p:cNvSpPr>
@@ -2971,8 +2624,8 @@
         </p:nvSpPr>
         <p:spPr>
           <a:xfrm>
-            <a:off x="8610600" y="6356350"/>
-            <a:ext cx="2743200" cy="365125"/>
+            <a:off x="8610600" y="4003618"/>
+            <a:ext cx="2743200" cy="229978"/>
           </a:xfrm>
           <a:prstGeom prst="rect">
             <a:avLst/>
@@ -2982,7 +2635,7 @@
           <a:bodyPr vert="horz" lIns="91440" tIns="45720" rIns="91440" bIns="45720" rtlCol="0" anchor="ctr"/>
           <a:lstStyle>
             <a:lvl1pPr algn="r">
-              <a:defRPr sz="1200">
+              <a:defRPr sz="756">
                 <a:solidFill>
                   <a:schemeClr val="tx1">
                     <a:tint val="82000"/>
@@ -3003,27 +2656,27 @@
     </p:spTree>
     <p:extLst>
       <p:ext uri="{BB962C8B-B14F-4D97-AF65-F5344CB8AC3E}">
-        <p14:creationId xmlns:p14="http://schemas.microsoft.com/office/powerpoint/2010/main" val="3160232099"/>
+        <p14:creationId xmlns:p14="http://schemas.microsoft.com/office/powerpoint/2010/main" val="1483418366"/>
       </p:ext>
     </p:extLst>
   </p:cSld>
   <p:clrMap bg1="lt1" tx1="dk1" bg2="lt2" tx2="dk2" accent1="accent1" accent2="accent2" accent3="accent3" accent4="accent4" accent5="accent5" accent6="accent6" hlink="hlink" folHlink="folHlink"/>
   <p:sldLayoutIdLst>
-    <p:sldLayoutId id="2147483649" r:id="rId1"/>
-    <p:sldLayoutId id="2147483650" r:id="rId2"/>
-    <p:sldLayoutId id="2147483651" r:id="rId3"/>
-    <p:sldLayoutId id="2147483652" r:id="rId4"/>
-    <p:sldLayoutId id="2147483653" r:id="rId5"/>
-    <p:sldLayoutId id="2147483654" r:id="rId6"/>
-    <p:sldLayoutId id="2147483655" r:id="rId7"/>
-    <p:sldLayoutId id="2147483656" r:id="rId8"/>
-    <p:sldLayoutId id="2147483657" r:id="rId9"/>
-    <p:sldLayoutId id="2147483658" r:id="rId10"/>
-    <p:sldLayoutId id="2147483659" r:id="rId11"/>
+    <p:sldLayoutId id="2147483673" r:id="rId1"/>
+    <p:sldLayoutId id="2147483674" r:id="rId2"/>
+    <p:sldLayoutId id="2147483675" r:id="rId3"/>
+    <p:sldLayoutId id="2147483676" r:id="rId4"/>
+    <p:sldLayoutId id="2147483677" r:id="rId5"/>
+    <p:sldLayoutId id="2147483678" r:id="rId6"/>
+    <p:sldLayoutId id="2147483679" r:id="rId7"/>
+    <p:sldLayoutId id="2147483680" r:id="rId8"/>
+    <p:sldLayoutId id="2147483681" r:id="rId9"/>
+    <p:sldLayoutId id="2147483682" r:id="rId10"/>
+    <p:sldLayoutId id="2147483683" r:id="rId11"/>
   </p:sldLayoutIdLst>
   <p:txStyles>
     <p:titleStyle>
-      <a:lvl1pPr algn="l" defTabSz="914400" rtl="0" eaLnBrk="1" latinLnBrk="0" hangingPunct="1">
+      <a:lvl1pPr algn="l" defTabSz="575981" rtl="0" eaLnBrk="1" latinLnBrk="0" hangingPunct="1">
         <a:lnSpc>
           <a:spcPct val="90000"/>
         </a:lnSpc>
@@ -3031,7 +2684,7 @@
           <a:spcPct val="0"/>
         </a:spcBef>
         <a:buNone/>
-        <a:defRPr sz="4400" kern="1200">
+        <a:defRPr sz="2772" kern="1200">
           <a:solidFill>
             <a:schemeClr val="tx1"/>
           </a:solidFill>
@@ -3042,16 +2695,16 @@
       </a:lvl1pPr>
     </p:titleStyle>
     <p:bodyStyle>
-      <a:lvl1pPr marL="228600" indent="-228600" algn="l" defTabSz="914400" rtl="0" eaLnBrk="1" latinLnBrk="0" hangingPunct="1">
+      <a:lvl1pPr marL="143995" indent="-143995" algn="l" defTabSz="575981" rtl="0" eaLnBrk="1" latinLnBrk="0" hangingPunct="1">
         <a:lnSpc>
           <a:spcPct val="90000"/>
         </a:lnSpc>
         <a:spcBef>
-          <a:spcPts val="1000"/>
+          <a:spcPts val="630"/>
         </a:spcBef>
         <a:buFont typeface="Arial" panose="020B0604020202020204" pitchFamily="34" charset="0"/>
         <a:buChar char="•"/>
-        <a:defRPr sz="2800" kern="1200">
+        <a:defRPr sz="1764" kern="1200">
           <a:solidFill>
             <a:schemeClr val="tx1"/>
           </a:solidFill>
@@ -3060,16 +2713,16 @@
           <a:cs typeface="+mn-cs"/>
         </a:defRPr>
       </a:lvl1pPr>
-      <a:lvl2pPr marL="685800" indent="-228600" algn="l" defTabSz="914400" rtl="0" eaLnBrk="1" latinLnBrk="0" hangingPunct="1">
+      <a:lvl2pPr marL="431985" indent="-143995" algn="l" defTabSz="575981" rtl="0" eaLnBrk="1" latinLnBrk="0" hangingPunct="1">
         <a:lnSpc>
           <a:spcPct val="90000"/>
         </a:lnSpc>
         <a:spcBef>
-          <a:spcPts val="500"/>
+          <a:spcPts val="315"/>
         </a:spcBef>
         <a:buFont typeface="Arial" panose="020B0604020202020204" pitchFamily="34" charset="0"/>
         <a:buChar char="•"/>
-        <a:defRPr sz="2400" kern="1200">
+        <a:defRPr sz="1512" kern="1200">
           <a:solidFill>
             <a:schemeClr val="tx1"/>
           </a:solidFill>
@@ -3078,16 +2731,16 @@
           <a:cs typeface="+mn-cs"/>
         </a:defRPr>
       </a:lvl2pPr>
-      <a:lvl3pPr marL="1143000" indent="-228600" algn="l" defTabSz="914400" rtl="0" eaLnBrk="1" latinLnBrk="0" hangingPunct="1">
+      <a:lvl3pPr marL="719976" indent="-143995" algn="l" defTabSz="575981" rtl="0" eaLnBrk="1" latinLnBrk="0" hangingPunct="1">
         <a:lnSpc>
           <a:spcPct val="90000"/>
         </a:lnSpc>
         <a:spcBef>
-          <a:spcPts val="500"/>
+          <a:spcPts val="315"/>
         </a:spcBef>
         <a:buFont typeface="Arial" panose="020B0604020202020204" pitchFamily="34" charset="0"/>
         <a:buChar char="•"/>
-        <a:defRPr sz="2000" kern="1200">
+        <a:defRPr sz="1260" kern="1200">
           <a:solidFill>
             <a:schemeClr val="tx1"/>
           </a:solidFill>
@@ -3096,16 +2749,16 @@
           <a:cs typeface="+mn-cs"/>
         </a:defRPr>
       </a:lvl3pPr>
-      <a:lvl4pPr marL="1600200" indent="-228600" algn="l" defTabSz="914400" rtl="0" eaLnBrk="1" latinLnBrk="0" hangingPunct="1">
+      <a:lvl4pPr marL="1007966" indent="-143995" algn="l" defTabSz="575981" rtl="0" eaLnBrk="1" latinLnBrk="0" hangingPunct="1">
         <a:lnSpc>
           <a:spcPct val="90000"/>
         </a:lnSpc>
         <a:spcBef>
-          <a:spcPts val="500"/>
+          <a:spcPts val="315"/>
         </a:spcBef>
         <a:buFont typeface="Arial" panose="020B0604020202020204" pitchFamily="34" charset="0"/>
         <a:buChar char="•"/>
-        <a:defRPr sz="1800" kern="1200">
+        <a:defRPr sz="1134" kern="1200">
           <a:solidFill>
             <a:schemeClr val="tx1"/>
           </a:solidFill>
@@ -3114,16 +2767,16 @@
           <a:cs typeface="+mn-cs"/>
         </a:defRPr>
       </a:lvl4pPr>
-      <a:lvl5pPr marL="2057400" indent="-228600" algn="l" defTabSz="914400" rtl="0" eaLnBrk="1" latinLnBrk="0" hangingPunct="1">
+      <a:lvl5pPr marL="1295956" indent="-143995" algn="l" defTabSz="575981" rtl="0" eaLnBrk="1" latinLnBrk="0" hangingPunct="1">
         <a:lnSpc>
           <a:spcPct val="90000"/>
         </a:lnSpc>
         <a:spcBef>
-          <a:spcPts val="500"/>
+          <a:spcPts val="315"/>
         </a:spcBef>
         <a:buFont typeface="Arial" panose="020B0604020202020204" pitchFamily="34" charset="0"/>
         <a:buChar char="•"/>
-        <a:defRPr sz="1800" kern="1200">
+        <a:defRPr sz="1134" kern="1200">
           <a:solidFill>
             <a:schemeClr val="tx1"/>
           </a:solidFill>
@@ -3132,16 +2785,16 @@
           <a:cs typeface="+mn-cs"/>
         </a:defRPr>
       </a:lvl5pPr>
-      <a:lvl6pPr marL="2514600" indent="-228600" algn="l" defTabSz="914400" rtl="0" eaLnBrk="1" latinLnBrk="0" hangingPunct="1">
+      <a:lvl6pPr marL="1583947" indent="-143995" algn="l" defTabSz="575981" rtl="0" eaLnBrk="1" latinLnBrk="0" hangingPunct="1">
         <a:lnSpc>
           <a:spcPct val="90000"/>
         </a:lnSpc>
         <a:spcBef>
-          <a:spcPts val="500"/>
+          <a:spcPts val="315"/>
         </a:spcBef>
         <a:buFont typeface="Arial" panose="020B0604020202020204" pitchFamily="34" charset="0"/>
         <a:buChar char="•"/>
-        <a:defRPr sz="1800" kern="1200">
+        <a:defRPr sz="1134" kern="1200">
           <a:solidFill>
             <a:schemeClr val="tx1"/>
           </a:solidFill>
@@ -3150,16 +2803,16 @@
           <a:cs typeface="+mn-cs"/>
         </a:defRPr>
       </a:lvl6pPr>
-      <a:lvl7pPr marL="2971800" indent="-228600" algn="l" defTabSz="914400" rtl="0" eaLnBrk="1" latinLnBrk="0" hangingPunct="1">
+      <a:lvl7pPr marL="1871937" indent="-143995" algn="l" defTabSz="575981" rtl="0" eaLnBrk="1" latinLnBrk="0" hangingPunct="1">
         <a:lnSpc>
           <a:spcPct val="90000"/>
         </a:lnSpc>
         <a:spcBef>
-          <a:spcPts val="500"/>
+          <a:spcPts val="315"/>
         </a:spcBef>
         <a:buFont typeface="Arial" panose="020B0604020202020204" pitchFamily="34" charset="0"/>
         <a:buChar char="•"/>
-        <a:defRPr sz="1800" kern="1200">
+        <a:defRPr sz="1134" kern="1200">
           <a:solidFill>
             <a:schemeClr val="tx1"/>
           </a:solidFill>
@@ -3168,16 +2821,16 @@
           <a:cs typeface="+mn-cs"/>
         </a:defRPr>
       </a:lvl7pPr>
-      <a:lvl8pPr marL="3429000" indent="-228600" algn="l" defTabSz="914400" rtl="0" eaLnBrk="1" latinLnBrk="0" hangingPunct="1">
+      <a:lvl8pPr marL="2159927" indent="-143995" algn="l" defTabSz="575981" rtl="0" eaLnBrk="1" latinLnBrk="0" hangingPunct="1">
         <a:lnSpc>
           <a:spcPct val="90000"/>
         </a:lnSpc>
         <a:spcBef>
-          <a:spcPts val="500"/>
+          <a:spcPts val="315"/>
         </a:spcBef>
         <a:buFont typeface="Arial" panose="020B0604020202020204" pitchFamily="34" charset="0"/>
         <a:buChar char="•"/>
-        <a:defRPr sz="1800" kern="1200">
+        <a:defRPr sz="1134" kern="1200">
           <a:solidFill>
             <a:schemeClr val="tx1"/>
           </a:solidFill>
@@ -3186,16 +2839,16 @@
           <a:cs typeface="+mn-cs"/>
         </a:defRPr>
       </a:lvl8pPr>
-      <a:lvl9pPr marL="3886200" indent="-228600" algn="l" defTabSz="914400" rtl="0" eaLnBrk="1" latinLnBrk="0" hangingPunct="1">
+      <a:lvl9pPr marL="2447917" indent="-143995" algn="l" defTabSz="575981" rtl="0" eaLnBrk="1" latinLnBrk="0" hangingPunct="1">
         <a:lnSpc>
           <a:spcPct val="90000"/>
         </a:lnSpc>
         <a:spcBef>
-          <a:spcPts val="500"/>
+          <a:spcPts val="315"/>
         </a:spcBef>
         <a:buFont typeface="Arial" panose="020B0604020202020204" pitchFamily="34" charset="0"/>
         <a:buChar char="•"/>
-        <a:defRPr sz="1800" kern="1200">
+        <a:defRPr sz="1134" kern="1200">
           <a:solidFill>
             <a:schemeClr val="tx1"/>
           </a:solidFill>
@@ -3207,10 +2860,10 @@
     </p:bodyStyle>
     <p:otherStyle>
       <a:defPPr>
-        <a:defRPr lang="zh-CN"/>
+        <a:defRPr lang="en-US"/>
       </a:defPPr>
-      <a:lvl1pPr marL="0" algn="l" defTabSz="914400" rtl="0" eaLnBrk="1" latinLnBrk="0" hangingPunct="1">
-        <a:defRPr sz="1800" kern="1200">
+      <a:lvl1pPr marL="0" algn="l" defTabSz="575981" rtl="0" eaLnBrk="1" latinLnBrk="0" hangingPunct="1">
+        <a:defRPr sz="1134" kern="1200">
           <a:solidFill>
             <a:schemeClr val="tx1"/>
           </a:solidFill>
@@ -3219,8 +2872,8 @@
           <a:cs typeface="+mn-cs"/>
         </a:defRPr>
       </a:lvl1pPr>
-      <a:lvl2pPr marL="457200" algn="l" defTabSz="914400" rtl="0" eaLnBrk="1" latinLnBrk="0" hangingPunct="1">
-        <a:defRPr sz="1800" kern="1200">
+      <a:lvl2pPr marL="287990" algn="l" defTabSz="575981" rtl="0" eaLnBrk="1" latinLnBrk="0" hangingPunct="1">
+        <a:defRPr sz="1134" kern="1200">
           <a:solidFill>
             <a:schemeClr val="tx1"/>
           </a:solidFill>
@@ -3229,8 +2882,8 @@
           <a:cs typeface="+mn-cs"/>
         </a:defRPr>
       </a:lvl2pPr>
-      <a:lvl3pPr marL="914400" algn="l" defTabSz="914400" rtl="0" eaLnBrk="1" latinLnBrk="0" hangingPunct="1">
-        <a:defRPr sz="1800" kern="1200">
+      <a:lvl3pPr marL="575981" algn="l" defTabSz="575981" rtl="0" eaLnBrk="1" latinLnBrk="0" hangingPunct="1">
+        <a:defRPr sz="1134" kern="1200">
           <a:solidFill>
             <a:schemeClr val="tx1"/>
           </a:solidFill>
@@ -3239,8 +2892,8 @@
           <a:cs typeface="+mn-cs"/>
         </a:defRPr>
       </a:lvl3pPr>
-      <a:lvl4pPr marL="1371600" algn="l" defTabSz="914400" rtl="0" eaLnBrk="1" latinLnBrk="0" hangingPunct="1">
-        <a:defRPr sz="1800" kern="1200">
+      <a:lvl4pPr marL="863971" algn="l" defTabSz="575981" rtl="0" eaLnBrk="1" latinLnBrk="0" hangingPunct="1">
+        <a:defRPr sz="1134" kern="1200">
           <a:solidFill>
             <a:schemeClr val="tx1"/>
           </a:solidFill>
@@ -3249,8 +2902,8 @@
           <a:cs typeface="+mn-cs"/>
         </a:defRPr>
       </a:lvl4pPr>
-      <a:lvl5pPr marL="1828800" algn="l" defTabSz="914400" rtl="0" eaLnBrk="1" latinLnBrk="0" hangingPunct="1">
-        <a:defRPr sz="1800" kern="1200">
+      <a:lvl5pPr marL="1151961" algn="l" defTabSz="575981" rtl="0" eaLnBrk="1" latinLnBrk="0" hangingPunct="1">
+        <a:defRPr sz="1134" kern="1200">
           <a:solidFill>
             <a:schemeClr val="tx1"/>
           </a:solidFill>
@@ -3259,8 +2912,8 @@
           <a:cs typeface="+mn-cs"/>
         </a:defRPr>
       </a:lvl5pPr>
-      <a:lvl6pPr marL="2286000" algn="l" defTabSz="914400" rtl="0" eaLnBrk="1" latinLnBrk="0" hangingPunct="1">
-        <a:defRPr sz="1800" kern="1200">
+      <a:lvl6pPr marL="1439951" algn="l" defTabSz="575981" rtl="0" eaLnBrk="1" latinLnBrk="0" hangingPunct="1">
+        <a:defRPr sz="1134" kern="1200">
           <a:solidFill>
             <a:schemeClr val="tx1"/>
           </a:solidFill>
@@ -3269,8 +2922,8 @@
           <a:cs typeface="+mn-cs"/>
         </a:defRPr>
       </a:lvl6pPr>
-      <a:lvl7pPr marL="2743200" algn="l" defTabSz="914400" rtl="0" eaLnBrk="1" latinLnBrk="0" hangingPunct="1">
-        <a:defRPr sz="1800" kern="1200">
+      <a:lvl7pPr marL="1727942" algn="l" defTabSz="575981" rtl="0" eaLnBrk="1" latinLnBrk="0" hangingPunct="1">
+        <a:defRPr sz="1134" kern="1200">
           <a:solidFill>
             <a:schemeClr val="tx1"/>
           </a:solidFill>
@@ -3279,8 +2932,8 @@
           <a:cs typeface="+mn-cs"/>
         </a:defRPr>
       </a:lvl7pPr>
-      <a:lvl8pPr marL="3200400" algn="l" defTabSz="914400" rtl="0" eaLnBrk="1" latinLnBrk="0" hangingPunct="1">
-        <a:defRPr sz="1800" kern="1200">
+      <a:lvl8pPr marL="2015932" algn="l" defTabSz="575981" rtl="0" eaLnBrk="1" latinLnBrk="0" hangingPunct="1">
+        <a:defRPr sz="1134" kern="1200">
           <a:solidFill>
             <a:schemeClr val="tx1"/>
           </a:solidFill>
@@ -3289,8 +2942,8 @@
           <a:cs typeface="+mn-cs"/>
         </a:defRPr>
       </a:lvl8pPr>
-      <a:lvl9pPr marL="3657600" algn="l" defTabSz="914400" rtl="0" eaLnBrk="1" latinLnBrk="0" hangingPunct="1">
-        <a:defRPr sz="1800" kern="1200">
+      <a:lvl9pPr marL="2303922" algn="l" defTabSz="575981" rtl="0" eaLnBrk="1" latinLnBrk="0" hangingPunct="1">
+        <a:defRPr sz="1134" kern="1200">
           <a:solidFill>
             <a:schemeClr val="tx1"/>
           </a:solidFill>
@@ -3349,8 +3002,8 @@
         </p:blipFill>
         <p:spPr>
           <a:xfrm>
-            <a:off x="1692568" y="1114424"/>
-            <a:ext cx="9071493" cy="4221457"/>
+            <a:off x="3784198" y="944643"/>
+            <a:ext cx="4762534" cy="2216265"/>
           </a:xfrm>
           <a:prstGeom prst="rect">
             <a:avLst/>
@@ -3379,8 +3032,8 @@
         </p:blipFill>
         <p:spPr>
           <a:xfrm rot="5400000">
-            <a:off x="8603797" y="2364624"/>
-            <a:ext cx="4221458" cy="1721059"/>
+            <a:off x="7412595" y="1600997"/>
+            <a:ext cx="2216265" cy="903556"/>
           </a:xfrm>
           <a:prstGeom prst="rect">
             <a:avLst/>
@@ -3409,8 +3062,8 @@
         </p:blipFill>
         <p:spPr>
           <a:xfrm rot="5400000">
-            <a:off x="-418161" y="2439141"/>
-            <a:ext cx="4221457" cy="1572022"/>
+            <a:off x="2676067" y="1640118"/>
+            <a:ext cx="2216265" cy="825312"/>
           </a:xfrm>
           <a:prstGeom prst="rect">
             <a:avLst/>
@@ -3433,8 +3086,8 @@
             </p:nvSpPr>
             <p:spPr>
               <a:xfrm>
-                <a:off x="10345086" y="5466577"/>
-                <a:ext cx="656270" cy="307777"/>
+                <a:off x="8326770" y="3229523"/>
+                <a:ext cx="343492" cy="161583"/>
               </a:xfrm>
               <a:prstGeom prst="rect">
                 <a:avLst/>
@@ -3447,6 +3100,7 @@
               </a:bodyPr>
               <a:lstStyle/>
               <a:p>
+                <a:pPr/>
                 <a14:m>
                   <m:oMathPara xmlns:m="http://schemas.openxmlformats.org/officeDocument/2006/math">
                     <m:oMathParaPr>
@@ -3456,14 +3110,14 @@
                       <m:sSub>
                         <m:sSubPr>
                           <m:ctrlPr>
-                            <a:rPr lang="en-US" altLang="zh-CN" sz="2000" b="0" i="1" smtClean="0">
+                            <a:rPr lang="en-US" altLang="zh-CN" sz="1050" i="1">
                               <a:latin typeface="Cambria Math" panose="02040503050406030204" pitchFamily="18" charset="0"/>
                             </a:rPr>
                           </m:ctrlPr>
                         </m:sSubPr>
                         <m:e>
                           <m:r>
-                            <a:rPr lang="en-US" altLang="zh-CN" sz="2000" b="0" i="1" smtClean="0">
+                            <a:rPr lang="en-US" altLang="zh-CN" sz="1050" i="1">
                               <a:latin typeface="Cambria Math" panose="02040503050406030204" pitchFamily="18" charset="0"/>
                             </a:rPr>
                             <m:t>𝑝</m:t>
@@ -3471,7 +3125,7 @@
                         </m:e>
                         <m:sub>
                           <m:r>
-                            <a:rPr lang="en-US" altLang="zh-CN" sz="2000" b="0" i="1" smtClean="0">
+                            <a:rPr lang="en-US" altLang="zh-CN" sz="1050" i="1">
                               <a:latin typeface="Cambria Math" panose="02040503050406030204" pitchFamily="18" charset="0"/>
                             </a:rPr>
                             <m:t>𝑑𝑎𝑡𝑎</m:t>
@@ -3481,7 +3135,7 @@
                     </m:oMath>
                   </m:oMathPara>
                 </a14:m>
-                <a:endParaRPr lang="zh-CN" altLang="en-US" sz="2000" dirty="0"/>
+                <a:endParaRPr lang="zh-CN" altLang="en-US" sz="1050" dirty="0"/>
               </a:p>
             </p:txBody>
           </p:sp>
@@ -3503,8 +3157,8 @@
             </p:nvSpPr>
             <p:spPr>
               <a:xfrm>
-                <a:off x="10345086" y="5466577"/>
-                <a:ext cx="656270" cy="307777"/>
+                <a:off x="8326770" y="3229523"/>
+                <a:ext cx="343492" cy="161583"/>
               </a:xfrm>
               <a:prstGeom prst="rect">
                 <a:avLst/>
@@ -3512,7 +3166,7 @@
               <a:blipFill>
                 <a:blip r:embed="rId5"/>
                 <a:stretch>
-                  <a:fillRect l="-8333" r="-926" b="-26000"/>
+                  <a:fillRect l="-8929" r="-1786" b="-26923"/>
                 </a:stretch>
               </a:blipFill>
             </p:spPr>
@@ -3547,8 +3201,8 @@
             </p:nvSpPr>
             <p:spPr>
               <a:xfrm>
-                <a:off x="1205409" y="5466577"/>
-                <a:ext cx="555730" cy="307777"/>
+                <a:off x="3528441" y="3229523"/>
+                <a:ext cx="290849" cy="161583"/>
               </a:xfrm>
               <a:prstGeom prst="rect">
                 <a:avLst/>
@@ -3561,6 +3215,7 @@
               </a:bodyPr>
               <a:lstStyle/>
               <a:p>
+                <a:pPr/>
                 <a14:m>
                   <m:oMathPara xmlns:m="http://schemas.openxmlformats.org/officeDocument/2006/math">
                     <m:oMathParaPr>
@@ -3570,14 +3225,14 @@
                       <m:sSub>
                         <m:sSubPr>
                           <m:ctrlPr>
-                            <a:rPr lang="en-US" altLang="zh-CN" sz="2000" b="0" i="1" smtClean="0">
+                            <a:rPr lang="en-US" altLang="zh-CN" sz="1050" i="1">
                               <a:latin typeface="Cambria Math" panose="02040503050406030204" pitchFamily="18" charset="0"/>
                             </a:rPr>
                           </m:ctrlPr>
                         </m:sSubPr>
                         <m:e>
                           <m:r>
-                            <a:rPr lang="en-US" altLang="zh-CN" sz="2000" b="0" i="1" smtClean="0">
+                            <a:rPr lang="en-US" altLang="zh-CN" sz="1050" i="1">
                               <a:latin typeface="Cambria Math" panose="02040503050406030204" pitchFamily="18" charset="0"/>
                             </a:rPr>
                             <m:t>𝑝</m:t>
@@ -3585,7 +3240,7 @@
                         </m:e>
                         <m:sub>
                           <m:r>
-                            <a:rPr lang="en-US" altLang="zh-CN" sz="2000" b="0" i="1" smtClean="0">
+                            <a:rPr lang="en-US" altLang="zh-CN" sz="1050" i="1">
                               <a:latin typeface="Cambria Math" panose="02040503050406030204" pitchFamily="18" charset="0"/>
                             </a:rPr>
                             <m:t>𝑖𝑛𝑖𝑡</m:t>
@@ -3595,7 +3250,7 @@
                     </m:oMath>
                   </m:oMathPara>
                 </a14:m>
-                <a:endParaRPr lang="zh-CN" altLang="en-US" sz="2000" dirty="0"/>
+                <a:endParaRPr lang="zh-CN" altLang="en-US" sz="1050" dirty="0"/>
               </a:p>
             </p:txBody>
           </p:sp>
@@ -3617,8 +3272,8 @@
             </p:nvSpPr>
             <p:spPr>
               <a:xfrm>
-                <a:off x="1205409" y="5466577"/>
-                <a:ext cx="555730" cy="307777"/>
+                <a:off x="3528441" y="3229523"/>
+                <a:ext cx="290849" cy="161583"/>
               </a:xfrm>
               <a:prstGeom prst="rect">
                 <a:avLst/>
@@ -3626,7 +3281,7 @@
               <a:blipFill>
                 <a:blip r:embed="rId6"/>
                 <a:stretch>
-                  <a:fillRect l="-9890" r="-2198" b="-26000"/>
+                  <a:fillRect l="-10417" r="-2083" b="-26923"/>
                 </a:stretch>
               </a:blipFill>
             </p:spPr>
@@ -3658,10 +3313,295 @@
 </p:sld>
 </file>
 
+<file path=ppt/slides/slide2.xml><?xml version="1.0" encoding="utf-8"?>
+<p:sld xmlns:a="http://schemas.openxmlformats.org/drawingml/2006/main" xmlns:r="http://schemas.openxmlformats.org/officeDocument/2006/relationships" xmlns:p="http://schemas.openxmlformats.org/presentationml/2006/main">
+  <p:cSld>
+    <p:spTree>
+      <p:nvGrpSpPr>
+        <p:cNvPr id="1" name=""/>
+        <p:cNvGrpSpPr/>
+        <p:nvPr/>
+      </p:nvGrpSpPr>
+      <p:grpSpPr>
+        <a:xfrm>
+          <a:off x="0" y="0"/>
+          <a:ext cx="0" cy="0"/>
+          <a:chOff x="0" y="0"/>
+          <a:chExt cx="0" cy="0"/>
+        </a:xfrm>
+      </p:grpSpPr>
+      <p:pic>
+        <p:nvPicPr>
+          <p:cNvPr id="5" name="图片 4" descr="图片包含 桌子, 空气, 站, 大&#10;&#10;AI 生成的内容可能不正确。">
+            <a:extLst>
+              <a:ext uri="{FF2B5EF4-FFF2-40B4-BE49-F238E27FC236}">
+                <a16:creationId xmlns:a16="http://schemas.microsoft.com/office/drawing/2014/main" id="{D62743EB-9EA3-6065-B2A5-0D9F3A972BDC}"/>
+              </a:ext>
+            </a:extLst>
+          </p:cNvPr>
+          <p:cNvPicPr>
+            <a:picLocks noChangeAspect="1"/>
+          </p:cNvPicPr>
+          <p:nvPr/>
+        </p:nvPicPr>
+        <p:blipFill>
+          <a:blip r:embed="rId2">
+            <a:extLst>
+              <a:ext uri="{28A0092B-C50C-407E-A947-70E740481C1C}">
+                <a14:useLocalDpi xmlns:a14="http://schemas.microsoft.com/office/drawing/2010/main" val="0"/>
+              </a:ext>
+            </a:extLst>
+          </a:blip>
+          <a:stretch>
+            <a:fillRect/>
+          </a:stretch>
+        </p:blipFill>
+        <p:spPr>
+          <a:xfrm>
+            <a:off x="127000" y="240275"/>
+            <a:ext cx="5768287" cy="3484833"/>
+          </a:xfrm>
+          <a:prstGeom prst="rect">
+            <a:avLst/>
+          </a:prstGeom>
+        </p:spPr>
+      </p:pic>
+      <p:pic>
+        <p:nvPicPr>
+          <p:cNvPr id="7" name="图片 6" descr="图片包含 图表&#10;&#10;AI 生成的内容可能不正确。">
+            <a:extLst>
+              <a:ext uri="{FF2B5EF4-FFF2-40B4-BE49-F238E27FC236}">
+                <a16:creationId xmlns:a16="http://schemas.microsoft.com/office/drawing/2014/main" id="{BABF494C-6EE1-5C01-9E27-34EA6E06A6F3}"/>
+              </a:ext>
+            </a:extLst>
+          </p:cNvPr>
+          <p:cNvPicPr>
+            <a:picLocks noChangeAspect="1"/>
+          </p:cNvPicPr>
+          <p:nvPr/>
+        </p:nvPicPr>
+        <p:blipFill>
+          <a:blip r:embed="rId3">
+            <a:extLst>
+              <a:ext uri="{28A0092B-C50C-407E-A947-70E740481C1C}">
+                <a14:useLocalDpi xmlns:a14="http://schemas.microsoft.com/office/drawing/2010/main" val="0"/>
+              </a:ext>
+            </a:extLst>
+          </a:blip>
+          <a:stretch>
+            <a:fillRect/>
+          </a:stretch>
+        </p:blipFill>
+        <p:spPr>
+          <a:xfrm>
+            <a:off x="6257778" y="240275"/>
+            <a:ext cx="5808056" cy="3484833"/>
+          </a:xfrm>
+          <a:prstGeom prst="rect">
+            <a:avLst/>
+          </a:prstGeom>
+        </p:spPr>
+      </p:pic>
+      <p:sp>
+        <p:nvSpPr>
+          <p:cNvPr id="9" name="文本框 8">
+            <a:extLst>
+              <a:ext uri="{FF2B5EF4-FFF2-40B4-BE49-F238E27FC236}">
+                <a16:creationId xmlns:a16="http://schemas.microsoft.com/office/drawing/2014/main" id="{0A5F8D16-5F3D-AAB7-E531-8FC77DBE08B4}"/>
+              </a:ext>
+            </a:extLst>
+          </p:cNvPr>
+          <p:cNvSpPr txBox="1"/>
+          <p:nvPr/>
+        </p:nvSpPr>
+        <p:spPr>
+          <a:xfrm>
+            <a:off x="1602179" y="3813272"/>
+            <a:ext cx="2690927" cy="338554"/>
+          </a:xfrm>
+          <a:prstGeom prst="rect">
+            <a:avLst/>
+          </a:prstGeom>
+          <a:noFill/>
+        </p:spPr>
+        <p:txBody>
+          <a:bodyPr wrap="square">
+            <a:spAutoFit/>
+          </a:bodyPr>
+          <a:lstStyle/>
+          <a:p>
+            <a:r>
+              <a:rPr lang="zh-CN" altLang="en-US" sz="1600" dirty="0">
+                <a:latin typeface="Times New Roman" panose="02020603050405020304" pitchFamily="18" charset="0"/>
+                <a:cs typeface="Times New Roman" panose="02020603050405020304" pitchFamily="18" charset="0"/>
+              </a:rPr>
+              <a:t>Conditional </a:t>
+            </a:r>
+            <a:r>
+              <a:rPr lang="en-US" altLang="zh-CN" sz="1600" dirty="0">
+                <a:latin typeface="Times New Roman" panose="02020603050405020304" pitchFamily="18" charset="0"/>
+                <a:cs typeface="Times New Roman" panose="02020603050405020304" pitchFamily="18" charset="0"/>
+              </a:rPr>
+              <a:t>P</a:t>
+            </a:r>
+            <a:r>
+              <a:rPr lang="zh-CN" altLang="en-US" sz="1600" dirty="0">
+                <a:latin typeface="Times New Roman" panose="02020603050405020304" pitchFamily="18" charset="0"/>
+                <a:cs typeface="Times New Roman" panose="02020603050405020304" pitchFamily="18" charset="0"/>
+              </a:rPr>
+              <a:t>robability </a:t>
+            </a:r>
+            <a:r>
+              <a:rPr lang="en-US" altLang="zh-CN" sz="1600" dirty="0">
+                <a:latin typeface="Times New Roman" panose="02020603050405020304" pitchFamily="18" charset="0"/>
+                <a:cs typeface="Times New Roman" panose="02020603050405020304" pitchFamily="18" charset="0"/>
+              </a:rPr>
+              <a:t>P</a:t>
+            </a:r>
+            <a:r>
+              <a:rPr lang="zh-CN" altLang="en-US" sz="1600" dirty="0">
+                <a:latin typeface="Times New Roman" panose="02020603050405020304" pitchFamily="18" charset="0"/>
+                <a:cs typeface="Times New Roman" panose="02020603050405020304" pitchFamily="18" charset="0"/>
+              </a:rPr>
+              <a:t>ath</a:t>
+            </a:r>
+          </a:p>
+        </p:txBody>
+      </p:sp>
+      <p:sp>
+        <p:nvSpPr>
+          <p:cNvPr id="10" name="文本框 9">
+            <a:extLst>
+              <a:ext uri="{FF2B5EF4-FFF2-40B4-BE49-F238E27FC236}">
+                <a16:creationId xmlns:a16="http://schemas.microsoft.com/office/drawing/2014/main" id="{7D7C48B0-BE86-7BB4-1E89-891104D23871}"/>
+              </a:ext>
+            </a:extLst>
+          </p:cNvPr>
+          <p:cNvSpPr txBox="1"/>
+          <p:nvPr/>
+        </p:nvSpPr>
+        <p:spPr>
+          <a:xfrm>
+            <a:off x="7879424" y="3813272"/>
+            <a:ext cx="2690927" cy="338554"/>
+          </a:xfrm>
+          <a:prstGeom prst="rect">
+            <a:avLst/>
+          </a:prstGeom>
+          <a:noFill/>
+        </p:spPr>
+        <p:txBody>
+          <a:bodyPr wrap="square">
+            <a:spAutoFit/>
+          </a:bodyPr>
+          <a:lstStyle/>
+          <a:p>
+            <a:r>
+              <a:rPr lang="en-US" altLang="zh-CN" sz="1600" dirty="0">
+                <a:latin typeface="Times New Roman" panose="02020603050405020304" pitchFamily="18" charset="0"/>
+                <a:cs typeface="Times New Roman" panose="02020603050405020304" pitchFamily="18" charset="0"/>
+              </a:rPr>
+              <a:t>Marginal</a:t>
+            </a:r>
+            <a:r>
+              <a:rPr lang="zh-CN" altLang="en-US" sz="1600" dirty="0">
+                <a:latin typeface="Times New Roman" panose="02020603050405020304" pitchFamily="18" charset="0"/>
+                <a:cs typeface="Times New Roman" panose="02020603050405020304" pitchFamily="18" charset="0"/>
+              </a:rPr>
+              <a:t> </a:t>
+            </a:r>
+            <a:r>
+              <a:rPr lang="en-US" altLang="zh-CN" sz="1600" dirty="0">
+                <a:latin typeface="Times New Roman" panose="02020603050405020304" pitchFamily="18" charset="0"/>
+                <a:cs typeface="Times New Roman" panose="02020603050405020304" pitchFamily="18" charset="0"/>
+              </a:rPr>
+              <a:t>P</a:t>
+            </a:r>
+            <a:r>
+              <a:rPr lang="zh-CN" altLang="en-US" sz="1600" dirty="0">
+                <a:latin typeface="Times New Roman" panose="02020603050405020304" pitchFamily="18" charset="0"/>
+                <a:cs typeface="Times New Roman" panose="02020603050405020304" pitchFamily="18" charset="0"/>
+              </a:rPr>
+              <a:t>robability </a:t>
+            </a:r>
+            <a:r>
+              <a:rPr lang="en-US" altLang="zh-CN" sz="1600" dirty="0">
+                <a:latin typeface="Times New Roman" panose="02020603050405020304" pitchFamily="18" charset="0"/>
+                <a:cs typeface="Times New Roman" panose="02020603050405020304" pitchFamily="18" charset="0"/>
+              </a:rPr>
+              <a:t>P</a:t>
+            </a:r>
+            <a:r>
+              <a:rPr lang="zh-CN" altLang="en-US" sz="1600" dirty="0">
+                <a:latin typeface="Times New Roman" panose="02020603050405020304" pitchFamily="18" charset="0"/>
+                <a:cs typeface="Times New Roman" panose="02020603050405020304" pitchFamily="18" charset="0"/>
+              </a:rPr>
+              <a:t>ath</a:t>
+            </a:r>
+          </a:p>
+        </p:txBody>
+      </p:sp>
+      <p:cxnSp>
+        <p:nvCxnSpPr>
+          <p:cNvPr id="12" name="直接连接符 11">
+            <a:extLst>
+              <a:ext uri="{FF2B5EF4-FFF2-40B4-BE49-F238E27FC236}">
+                <a16:creationId xmlns:a16="http://schemas.microsoft.com/office/drawing/2014/main" id="{CAF60A91-168F-B7B8-1627-C6BE6FF3B4FD}"/>
+              </a:ext>
+            </a:extLst>
+          </p:cNvPr>
+          <p:cNvCxnSpPr>
+            <a:cxnSpLocks/>
+          </p:cNvCxnSpPr>
+          <p:nvPr/>
+        </p:nvCxnSpPr>
+        <p:spPr>
+          <a:xfrm rot="2700000">
+            <a:off x="4276949" y="515960"/>
+            <a:ext cx="3600000" cy="3600000"/>
+          </a:xfrm>
+          <a:prstGeom prst="line">
+            <a:avLst/>
+          </a:prstGeom>
+          <a:ln>
+            <a:solidFill>
+              <a:schemeClr val="tx1"/>
+            </a:solidFill>
+            <a:prstDash val="dash"/>
+          </a:ln>
+        </p:spPr>
+        <p:style>
+          <a:lnRef idx="2">
+            <a:schemeClr val="accent1"/>
+          </a:lnRef>
+          <a:fillRef idx="0">
+            <a:schemeClr val="accent1"/>
+          </a:fillRef>
+          <a:effectRef idx="1">
+            <a:schemeClr val="accent1"/>
+          </a:effectRef>
+          <a:fontRef idx="minor">
+            <a:schemeClr val="tx1"/>
+          </a:fontRef>
+        </p:style>
+      </p:cxnSp>
+    </p:spTree>
+    <p:extLst>
+      <p:ext uri="{BB962C8B-B14F-4D97-AF65-F5344CB8AC3E}">
+        <p14:creationId xmlns:p14="http://schemas.microsoft.com/office/powerpoint/2010/main" val="633336631"/>
+      </p:ext>
+    </p:extLst>
+  </p:cSld>
+  <p:clrMapOvr>
+    <a:masterClrMapping/>
+  </p:clrMapOvr>
+</p:sld>
+</file>
+
 <file path=ppt/theme/theme1.xml><?xml version="1.0" encoding="utf-8"?>
 <a:theme xmlns:a="http://schemas.openxmlformats.org/drawingml/2006/main" name="Office 主题​​">
   <a:themeElements>
-    <a:clrScheme name="Office">
+    <a:clrScheme name="Office 主题​​">
       <a:dk1>
         <a:sysClr val="windowText" lastClr="000000"/>
       </a:dk1>
@@ -3699,9 +3639,9 @@
         <a:srgbClr val="96607D"/>
       </a:folHlink>
     </a:clrScheme>
-    <a:fontScheme name="Office">
+    <a:fontScheme name="Office 主题​​">
       <a:majorFont>
-        <a:latin typeface="等线 Light" panose="02110004020202020204"/>
+        <a:latin typeface="Aptos Display" panose="02110004020202020204"/>
         <a:ea typeface=""/>
         <a:cs typeface=""/>
         <a:font script="Jpan" typeface="游ゴシック Light"/>
@@ -3753,7 +3693,7 @@
         <a:font script="Tfng" typeface="Ebrima"/>
       </a:majorFont>
       <a:minorFont>
-        <a:latin typeface="等线" panose="02110004020202020204"/>
+        <a:latin typeface="Aptos" panose="02110004020202020204"/>
         <a:ea typeface=""/>
         <a:cs typeface=""/>
         <a:font script="Jpan" typeface="游ゴシック"/>
@@ -3805,7 +3745,7 @@
         <a:font script="Tfng" typeface="Ebrima"/>
       </a:minorFont>
     </a:fontScheme>
-    <a:fmtScheme name="Office">
+    <a:fmtScheme name="Office 主题​​">
       <a:fillStyleLst>
         <a:solidFill>
           <a:schemeClr val="phClr"/>

--- a/images/posts/post_5/images.pptx
+++ b/images/posts/post_5/images.pptx
@@ -3002,8 +3002,8 @@
         </p:blipFill>
         <p:spPr>
           <a:xfrm>
-            <a:off x="3784198" y="944643"/>
-            <a:ext cx="4762534" cy="2216265"/>
+            <a:off x="1744934" y="101601"/>
+            <a:ext cx="8425342" cy="3920768"/>
           </a:xfrm>
           <a:prstGeom prst="rect">
             <a:avLst/>
@@ -3032,8 +3032,8 @@
         </p:blipFill>
         <p:spPr>
           <a:xfrm rot="5400000">
-            <a:off x="7412595" y="1600997"/>
-            <a:ext cx="2216265" cy="903556"/>
+            <a:off x="8948968" y="1261839"/>
+            <a:ext cx="3917697" cy="1597218"/>
           </a:xfrm>
           <a:prstGeom prst="rect">
             <a:avLst/>
@@ -3062,8 +3062,8 @@
         </p:blipFill>
         <p:spPr>
           <a:xfrm rot="5400000">
-            <a:off x="2676067" y="1640118"/>
-            <a:ext cx="2216265" cy="825312"/>
+            <a:off x="-834421" y="1331959"/>
+            <a:ext cx="3920768" cy="1460050"/>
           </a:xfrm>
           <a:prstGeom prst="rect">
             <a:avLst/>
@@ -3086,8 +3086,8 @@
             </p:nvSpPr>
             <p:spPr>
               <a:xfrm>
-                <a:off x="8326770" y="3229523"/>
-                <a:ext cx="343492" cy="161583"/>
+                <a:off x="10784457" y="4006198"/>
+                <a:ext cx="573811" cy="276999"/>
               </a:xfrm>
               <a:prstGeom prst="rect">
                 <a:avLst/>
@@ -3110,14 +3110,14 @@
                       <m:sSub>
                         <m:sSubPr>
                           <m:ctrlPr>
-                            <a:rPr lang="en-US" altLang="zh-CN" sz="1050" i="1">
+                            <a:rPr lang="en-US" altLang="zh-CN" i="1">
                               <a:latin typeface="Cambria Math" panose="02040503050406030204" pitchFamily="18" charset="0"/>
                             </a:rPr>
                           </m:ctrlPr>
                         </m:sSubPr>
                         <m:e>
                           <m:r>
-                            <a:rPr lang="en-US" altLang="zh-CN" sz="1050" i="1">
+                            <a:rPr lang="en-US" altLang="zh-CN" i="1">
                               <a:latin typeface="Cambria Math" panose="02040503050406030204" pitchFamily="18" charset="0"/>
                             </a:rPr>
                             <m:t>𝑝</m:t>
@@ -3125,7 +3125,7 @@
                         </m:e>
                         <m:sub>
                           <m:r>
-                            <a:rPr lang="en-US" altLang="zh-CN" sz="1050" i="1">
+                            <a:rPr lang="en-US" altLang="zh-CN" i="1">
                               <a:latin typeface="Cambria Math" panose="02040503050406030204" pitchFamily="18" charset="0"/>
                             </a:rPr>
                             <m:t>𝑑𝑎𝑡𝑎</m:t>
@@ -3135,7 +3135,7 @@
                     </m:oMath>
                   </m:oMathPara>
                 </a14:m>
-                <a:endParaRPr lang="zh-CN" altLang="en-US" sz="1050" dirty="0"/>
+                <a:endParaRPr lang="zh-CN" altLang="en-US" dirty="0"/>
               </a:p>
             </p:txBody>
           </p:sp>
@@ -3157,8 +3157,8 @@
             </p:nvSpPr>
             <p:spPr>
               <a:xfrm>
-                <a:off x="8326770" y="3229523"/>
-                <a:ext cx="343492" cy="161583"/>
+                <a:off x="10784457" y="4006198"/>
+                <a:ext cx="573811" cy="276999"/>
               </a:xfrm>
               <a:prstGeom prst="rect">
                 <a:avLst/>
@@ -3166,7 +3166,7 @@
               <a:blipFill>
                 <a:blip r:embed="rId5"/>
                 <a:stretch>
-                  <a:fillRect l="-8929" r="-1786" b="-26923"/>
+                  <a:fillRect l="-10638" r="-3191" b="-23913"/>
                 </a:stretch>
               </a:blipFill>
             </p:spPr>
@@ -3201,8 +3201,8 @@
             </p:nvSpPr>
             <p:spPr>
               <a:xfrm>
-                <a:off x="3528441" y="3229523"/>
-                <a:ext cx="290849" cy="161583"/>
+                <a:off x="779405" y="4006198"/>
+                <a:ext cx="482824" cy="276999"/>
               </a:xfrm>
               <a:prstGeom prst="rect">
                 <a:avLst/>
@@ -3225,14 +3225,14 @@
                       <m:sSub>
                         <m:sSubPr>
                           <m:ctrlPr>
-                            <a:rPr lang="en-US" altLang="zh-CN" sz="1050" i="1">
+                            <a:rPr lang="en-US" altLang="zh-CN" i="1">
                               <a:latin typeface="Cambria Math" panose="02040503050406030204" pitchFamily="18" charset="0"/>
                             </a:rPr>
                           </m:ctrlPr>
                         </m:sSubPr>
                         <m:e>
                           <m:r>
-                            <a:rPr lang="en-US" altLang="zh-CN" sz="1050" i="1">
+                            <a:rPr lang="en-US" altLang="zh-CN" i="1">
                               <a:latin typeface="Cambria Math" panose="02040503050406030204" pitchFamily="18" charset="0"/>
                             </a:rPr>
                             <m:t>𝑝</m:t>
@@ -3240,7 +3240,7 @@
                         </m:e>
                         <m:sub>
                           <m:r>
-                            <a:rPr lang="en-US" altLang="zh-CN" sz="1050" i="1">
+                            <a:rPr lang="en-US" altLang="zh-CN" i="1">
                               <a:latin typeface="Cambria Math" panose="02040503050406030204" pitchFamily="18" charset="0"/>
                             </a:rPr>
                             <m:t>𝑖𝑛𝑖𝑡</m:t>
@@ -3250,7 +3250,7 @@
                     </m:oMath>
                   </m:oMathPara>
                 </a14:m>
-                <a:endParaRPr lang="zh-CN" altLang="en-US" sz="1050" dirty="0"/>
+                <a:endParaRPr lang="zh-CN" altLang="en-US" dirty="0"/>
               </a:p>
             </p:txBody>
           </p:sp>
@@ -3272,8 +3272,8 @@
             </p:nvSpPr>
             <p:spPr>
               <a:xfrm>
-                <a:off x="3528441" y="3229523"/>
-                <a:ext cx="290849" cy="161583"/>
+                <a:off x="779405" y="4006198"/>
+                <a:ext cx="482824" cy="276999"/>
               </a:xfrm>
               <a:prstGeom prst="rect">
                 <a:avLst/>
@@ -3281,7 +3281,7 @@
               <a:blipFill>
                 <a:blip r:embed="rId6"/>
                 <a:stretch>
-                  <a:fillRect l="-10417" r="-2083" b="-26923"/>
+                  <a:fillRect l="-12658" r="-2532" b="-23913"/>
                 </a:stretch>
               </a:blipFill>
             </p:spPr>

--- a/images/posts/post_5/images.pptx
+++ b/images/posts/post_5/images.pptx
@@ -7,6 +7,7 @@
   <p:sldIdLst>
     <p:sldId id="256" r:id="rId2"/>
     <p:sldId id="257" r:id="rId3"/>
+    <p:sldId id="258" r:id="rId4"/>
   </p:sldIdLst>
   <p:sldSz cx="12192000" cy="4319588"/>
   <p:notesSz cx="6858000" cy="9144000"/>
@@ -244,7 +245,7 @@
           <a:p>
             <a:fld id="{434D3601-F789-4B8E-A4DB-4BAF495A9286}" type="datetimeFigureOut">
               <a:rPr lang="zh-CN" altLang="en-US" smtClean="0"/>
-              <a:t>2025/7/4</a:t>
+              <a:t>2025/7/7</a:t>
             </a:fld>
             <a:endParaRPr lang="zh-CN" altLang="en-US"/>
           </a:p>
@@ -414,7 +415,7 @@
           <a:p>
             <a:fld id="{434D3601-F789-4B8E-A4DB-4BAF495A9286}" type="datetimeFigureOut">
               <a:rPr lang="zh-CN" altLang="en-US" smtClean="0"/>
-              <a:t>2025/7/4</a:t>
+              <a:t>2025/7/7</a:t>
             </a:fld>
             <a:endParaRPr lang="zh-CN" altLang="en-US"/>
           </a:p>
@@ -594,7 +595,7 @@
           <a:p>
             <a:fld id="{434D3601-F789-4B8E-A4DB-4BAF495A9286}" type="datetimeFigureOut">
               <a:rPr lang="zh-CN" altLang="en-US" smtClean="0"/>
-              <a:t>2025/7/4</a:t>
+              <a:t>2025/7/7</a:t>
             </a:fld>
             <a:endParaRPr lang="zh-CN" altLang="en-US"/>
           </a:p>
@@ -764,7 +765,7 @@
           <a:p>
             <a:fld id="{434D3601-F789-4B8E-A4DB-4BAF495A9286}" type="datetimeFigureOut">
               <a:rPr lang="zh-CN" altLang="en-US" smtClean="0"/>
-              <a:t>2025/7/4</a:t>
+              <a:t>2025/7/7</a:t>
             </a:fld>
             <a:endParaRPr lang="zh-CN" altLang="en-US"/>
           </a:p>
@@ -1010,7 +1011,7 @@
           <a:p>
             <a:fld id="{434D3601-F789-4B8E-A4DB-4BAF495A9286}" type="datetimeFigureOut">
               <a:rPr lang="zh-CN" altLang="en-US" smtClean="0"/>
-              <a:t>2025/7/4</a:t>
+              <a:t>2025/7/7</a:t>
             </a:fld>
             <a:endParaRPr lang="zh-CN" altLang="en-US"/>
           </a:p>
@@ -1242,7 +1243,7 @@
           <a:p>
             <a:fld id="{434D3601-F789-4B8E-A4DB-4BAF495A9286}" type="datetimeFigureOut">
               <a:rPr lang="zh-CN" altLang="en-US" smtClean="0"/>
-              <a:t>2025/7/4</a:t>
+              <a:t>2025/7/7</a:t>
             </a:fld>
             <a:endParaRPr lang="zh-CN" altLang="en-US"/>
           </a:p>
@@ -1609,7 +1610,7 @@
           <a:p>
             <a:fld id="{434D3601-F789-4B8E-A4DB-4BAF495A9286}" type="datetimeFigureOut">
               <a:rPr lang="zh-CN" altLang="en-US" smtClean="0"/>
-              <a:t>2025/7/4</a:t>
+              <a:t>2025/7/7</a:t>
             </a:fld>
             <a:endParaRPr lang="zh-CN" altLang="en-US"/>
           </a:p>
@@ -1727,7 +1728,7 @@
           <a:p>
             <a:fld id="{434D3601-F789-4B8E-A4DB-4BAF495A9286}" type="datetimeFigureOut">
               <a:rPr lang="zh-CN" altLang="en-US" smtClean="0"/>
-              <a:t>2025/7/4</a:t>
+              <a:t>2025/7/7</a:t>
             </a:fld>
             <a:endParaRPr lang="zh-CN" altLang="en-US"/>
           </a:p>
@@ -1822,7 +1823,7 @@
           <a:p>
             <a:fld id="{434D3601-F789-4B8E-A4DB-4BAF495A9286}" type="datetimeFigureOut">
               <a:rPr lang="zh-CN" altLang="en-US" smtClean="0"/>
-              <a:t>2025/7/4</a:t>
+              <a:t>2025/7/7</a:t>
             </a:fld>
             <a:endParaRPr lang="zh-CN" altLang="en-US"/>
           </a:p>
@@ -2099,7 +2100,7 @@
           <a:p>
             <a:fld id="{434D3601-F789-4B8E-A4DB-4BAF495A9286}" type="datetimeFigureOut">
               <a:rPr lang="zh-CN" altLang="en-US" smtClean="0"/>
-              <a:t>2025/7/4</a:t>
+              <a:t>2025/7/7</a:t>
             </a:fld>
             <a:endParaRPr lang="zh-CN" altLang="en-US"/>
           </a:p>
@@ -2356,7 +2357,7 @@
           <a:p>
             <a:fld id="{434D3601-F789-4B8E-A4DB-4BAF495A9286}" type="datetimeFigureOut">
               <a:rPr lang="zh-CN" altLang="en-US" smtClean="0"/>
-              <a:t>2025/7/4</a:t>
+              <a:t>2025/7/7</a:t>
             </a:fld>
             <a:endParaRPr lang="zh-CN" altLang="en-US"/>
           </a:p>
@@ -2569,7 +2570,7 @@
           <a:p>
             <a:fld id="{434D3601-F789-4B8E-A4DB-4BAF495A9286}" type="datetimeFigureOut">
               <a:rPr lang="zh-CN" altLang="en-US" smtClean="0"/>
-              <a:t>2025/7/4</a:t>
+              <a:t>2025/7/7</a:t>
             </a:fld>
             <a:endParaRPr lang="zh-CN" altLang="en-US"/>
           </a:p>
@@ -3070,8 +3071,8 @@
           </a:prstGeom>
         </p:spPr>
       </p:pic>
-      <mc:AlternateContent xmlns:mc="http://schemas.openxmlformats.org/markup-compatibility/2006">
-        <mc:Choice xmlns:a14="http://schemas.microsoft.com/office/drawing/2010/main" Requires="a14">
+      <mc:AlternateContent xmlns:mc="http://schemas.openxmlformats.org/markup-compatibility/2006" xmlns:a14="http://schemas.microsoft.com/office/drawing/2010/main">
+        <mc:Choice Requires="a14">
           <p:sp>
             <p:nvSpPr>
               <p:cNvPr id="14" name="文本框 13">
@@ -3140,7 +3141,7 @@
             </p:txBody>
           </p:sp>
         </mc:Choice>
-        <mc:Fallback>
+        <mc:Fallback xmlns="">
           <p:sp>
             <p:nvSpPr>
               <p:cNvPr id="14" name="文本框 13">
@@ -3185,8 +3186,8 @@
           </p:sp>
         </mc:Fallback>
       </mc:AlternateContent>
-      <mc:AlternateContent xmlns:mc="http://schemas.openxmlformats.org/markup-compatibility/2006">
-        <mc:Choice xmlns:a14="http://schemas.microsoft.com/office/drawing/2010/main" Requires="a14">
+      <mc:AlternateContent xmlns:mc="http://schemas.openxmlformats.org/markup-compatibility/2006" xmlns:a14="http://schemas.microsoft.com/office/drawing/2010/main">
+        <mc:Choice Requires="a14">
           <p:sp>
             <p:nvSpPr>
               <p:cNvPr id="15" name="文本框 14">
@@ -3255,7 +3256,7 @@
             </p:txBody>
           </p:sp>
         </mc:Choice>
-        <mc:Fallback>
+        <mc:Fallback xmlns="">
           <p:sp>
             <p:nvSpPr>
               <p:cNvPr id="15" name="文本框 14">
@@ -3589,6 +3590,439 @@
     <p:extLst>
       <p:ext uri="{BB962C8B-B14F-4D97-AF65-F5344CB8AC3E}">
         <p14:creationId xmlns:p14="http://schemas.microsoft.com/office/powerpoint/2010/main" val="633336631"/>
+      </p:ext>
+    </p:extLst>
+  </p:cSld>
+  <p:clrMapOvr>
+    <a:masterClrMapping/>
+  </p:clrMapOvr>
+</p:sld>
+</file>
+
+<file path=ppt/slides/slide3.xml><?xml version="1.0" encoding="utf-8"?>
+<p:sld xmlns:a="http://schemas.openxmlformats.org/drawingml/2006/main" xmlns:r="http://schemas.openxmlformats.org/officeDocument/2006/relationships" xmlns:p="http://schemas.openxmlformats.org/presentationml/2006/main">
+  <p:cSld>
+    <p:spTree>
+      <p:nvGrpSpPr>
+        <p:cNvPr id="1" name=""/>
+        <p:cNvGrpSpPr/>
+        <p:nvPr/>
+      </p:nvGrpSpPr>
+      <p:grpSpPr>
+        <a:xfrm>
+          <a:off x="0" y="0"/>
+          <a:ext cx="0" cy="0"/>
+          <a:chOff x="0" y="0"/>
+          <a:chExt cx="0" cy="0"/>
+        </a:xfrm>
+      </p:grpSpPr>
+      <p:pic>
+        <p:nvPicPr>
+          <p:cNvPr id="5" name="图片 4">
+            <a:extLst>
+              <a:ext uri="{FF2B5EF4-FFF2-40B4-BE49-F238E27FC236}">
+                <a16:creationId xmlns:a16="http://schemas.microsoft.com/office/drawing/2014/main" id="{409EC012-B81E-B827-852A-4A7B66CE42D3}"/>
+              </a:ext>
+            </a:extLst>
+          </p:cNvPr>
+          <p:cNvPicPr>
+            <a:picLocks noChangeAspect="1"/>
+          </p:cNvPicPr>
+          <p:nvPr/>
+        </p:nvPicPr>
+        <p:blipFill>
+          <a:blip r:embed="rId2"/>
+          <a:stretch>
+            <a:fillRect/>
+          </a:stretch>
+        </p:blipFill>
+        <p:spPr>
+          <a:xfrm>
+            <a:off x="1433458" y="0"/>
+            <a:ext cx="9325084" cy="4319588"/>
+          </a:xfrm>
+          <a:prstGeom prst="rect">
+            <a:avLst/>
+          </a:prstGeom>
+        </p:spPr>
+      </p:pic>
+      <mc:AlternateContent xmlns:mc="http://schemas.openxmlformats.org/markup-compatibility/2006">
+        <mc:Choice xmlns:a14="http://schemas.microsoft.com/office/drawing/2010/main" Requires="a14">
+          <p:sp>
+            <p:nvSpPr>
+              <p:cNvPr id="6" name="文本框 5">
+                <a:extLst>
+                  <a:ext uri="{FF2B5EF4-FFF2-40B4-BE49-F238E27FC236}">
+                    <a16:creationId xmlns:a16="http://schemas.microsoft.com/office/drawing/2014/main" id="{0ADCCC1C-57B3-394A-74B7-67388C4BF5DE}"/>
+                  </a:ext>
+                </a:extLst>
+              </p:cNvPr>
+              <p:cNvSpPr txBox="1"/>
+              <p:nvPr/>
+            </p:nvSpPr>
+            <p:spPr>
+              <a:xfrm>
+                <a:off x="10723012" y="651231"/>
+                <a:ext cx="477117" cy="307777"/>
+              </a:xfrm>
+              <a:prstGeom prst="rect">
+                <a:avLst/>
+              </a:prstGeom>
+              <a:noFill/>
+            </p:spPr>
+            <p:txBody>
+              <a:bodyPr wrap="none" lIns="0" tIns="0" rIns="0" bIns="0" rtlCol="0">
+                <a:spAutoFit/>
+              </a:bodyPr>
+              <a:lstStyle/>
+              <a:p>
+                <a14:m>
+                  <m:oMathPara xmlns:m="http://schemas.openxmlformats.org/officeDocument/2006/math">
+                    <m:oMathParaPr>
+                      <m:jc m:val="centerGroup"/>
+                    </m:oMathParaPr>
+                    <m:oMath xmlns:m="http://schemas.openxmlformats.org/officeDocument/2006/math">
+                      <m:sSub>
+                        <m:sSubPr>
+                          <m:ctrlPr>
+                            <a:rPr lang="en-US" altLang="zh-CN" sz="2000" b="1" i="0" smtClean="0">
+                              <a:latin typeface="Cambria Math" panose="02040503050406030204" pitchFamily="18" charset="0"/>
+                            </a:rPr>
+                          </m:ctrlPr>
+                        </m:sSubPr>
+                        <m:e>
+                          <m:r>
+                            <a:rPr lang="en-US" altLang="zh-CN" sz="2000" b="1" i="1" smtClean="0">
+                              <a:latin typeface="Cambria Math" panose="02040503050406030204" pitchFamily="18" charset="0"/>
+                            </a:rPr>
+                            <m:t>𝑳</m:t>
+                          </m:r>
+                        </m:e>
+                        <m:sub>
+                          <m:r>
+                            <a:rPr lang="en-US" altLang="zh-CN" sz="2000" b="1" i="0" smtClean="0">
+                              <a:latin typeface="Cambria Math" panose="02040503050406030204" pitchFamily="18" charset="0"/>
+                            </a:rPr>
+                            <m:t>𝐅𝐌</m:t>
+                          </m:r>
+                        </m:sub>
+                      </m:sSub>
+                    </m:oMath>
+                  </m:oMathPara>
+                </a14:m>
+                <a:endParaRPr lang="zh-CN" altLang="en-US" sz="2000" b="1" dirty="0"/>
+              </a:p>
+            </p:txBody>
+          </p:sp>
+        </mc:Choice>
+        <mc:Fallback>
+          <p:sp>
+            <p:nvSpPr>
+              <p:cNvPr id="6" name="文本框 5">
+                <a:extLst>
+                  <a:ext uri="{FF2B5EF4-FFF2-40B4-BE49-F238E27FC236}">
+                    <a16:creationId xmlns:a16="http://schemas.microsoft.com/office/drawing/2014/main" id="{0ADCCC1C-57B3-394A-74B7-67388C4BF5DE}"/>
+                  </a:ext>
+                </a:extLst>
+              </p:cNvPr>
+              <p:cNvSpPr txBox="1">
+                <a:spLocks noRot="1" noChangeAspect="1" noMove="1" noResize="1" noEditPoints="1" noAdjustHandles="1" noChangeArrowheads="1" noChangeShapeType="1" noTextEdit="1"/>
+              </p:cNvSpPr>
+              <p:nvPr/>
+            </p:nvSpPr>
+            <p:spPr>
+              <a:xfrm>
+                <a:off x="10723012" y="651231"/>
+                <a:ext cx="477117" cy="307777"/>
+              </a:xfrm>
+              <a:prstGeom prst="rect">
+                <a:avLst/>
+              </a:prstGeom>
+              <a:blipFill>
+                <a:blip r:embed="rId3"/>
+                <a:stretch>
+                  <a:fillRect l="-11538" r="-6410" b="-16000"/>
+                </a:stretch>
+              </a:blipFill>
+            </p:spPr>
+            <p:txBody>
+              <a:bodyPr/>
+              <a:lstStyle/>
+              <a:p>
+                <a:r>
+                  <a:rPr lang="zh-CN" altLang="en-US">
+                    <a:noFill/>
+                  </a:rPr>
+                  <a:t> </a:t>
+                </a:r>
+              </a:p>
+            </p:txBody>
+          </p:sp>
+        </mc:Fallback>
+      </mc:AlternateContent>
+      <mc:AlternateContent xmlns:mc="http://schemas.openxmlformats.org/markup-compatibility/2006">
+        <mc:Choice xmlns:a14="http://schemas.microsoft.com/office/drawing/2010/main" Requires="a14">
+          <p:sp>
+            <p:nvSpPr>
+              <p:cNvPr id="7" name="文本框 6">
+                <a:extLst>
+                  <a:ext uri="{FF2B5EF4-FFF2-40B4-BE49-F238E27FC236}">
+                    <a16:creationId xmlns:a16="http://schemas.microsoft.com/office/drawing/2014/main" id="{8CA3D435-E43F-B519-0DF1-685850588677}"/>
+                  </a:ext>
+                </a:extLst>
+              </p:cNvPr>
+              <p:cNvSpPr txBox="1"/>
+              <p:nvPr/>
+            </p:nvSpPr>
+            <p:spPr>
+              <a:xfrm>
+                <a:off x="10723011" y="1762636"/>
+                <a:ext cx="594137" cy="307777"/>
+              </a:xfrm>
+              <a:prstGeom prst="rect">
+                <a:avLst/>
+              </a:prstGeom>
+              <a:noFill/>
+            </p:spPr>
+            <p:txBody>
+              <a:bodyPr wrap="none" lIns="0" tIns="0" rIns="0" bIns="0" rtlCol="0">
+                <a:spAutoFit/>
+              </a:bodyPr>
+              <a:lstStyle/>
+              <a:p>
+                <a14:m>
+                  <m:oMathPara xmlns:m="http://schemas.openxmlformats.org/officeDocument/2006/math">
+                    <m:oMathParaPr>
+                      <m:jc m:val="centerGroup"/>
+                    </m:oMathParaPr>
+                    <m:oMath xmlns:m="http://schemas.openxmlformats.org/officeDocument/2006/math">
+                      <m:sSub>
+                        <m:sSubPr>
+                          <m:ctrlPr>
+                            <a:rPr lang="en-US" altLang="zh-CN" sz="2000" b="1" i="0" smtClean="0">
+                              <a:latin typeface="Cambria Math" panose="02040503050406030204" pitchFamily="18" charset="0"/>
+                            </a:rPr>
+                          </m:ctrlPr>
+                        </m:sSubPr>
+                        <m:e>
+                          <m:r>
+                            <a:rPr lang="en-US" altLang="zh-CN" sz="2000" b="1" i="1" smtClean="0">
+                              <a:latin typeface="Cambria Math" panose="02040503050406030204" pitchFamily="18" charset="0"/>
+                            </a:rPr>
+                            <m:t>𝑳</m:t>
+                          </m:r>
+                        </m:e>
+                        <m:sub>
+                          <m:r>
+                            <a:rPr lang="en-US" altLang="zh-CN" sz="2000" b="1" i="1" smtClean="0">
+                              <a:latin typeface="Cambria Math" panose="02040503050406030204" pitchFamily="18" charset="0"/>
+                            </a:rPr>
+                            <m:t>𝑪</m:t>
+                          </m:r>
+                          <m:r>
+                            <a:rPr lang="en-US" altLang="zh-CN" sz="2000" b="1" i="0" smtClean="0">
+                              <a:latin typeface="Cambria Math" panose="02040503050406030204" pitchFamily="18" charset="0"/>
+                            </a:rPr>
+                            <m:t>𝐅𝐌</m:t>
+                          </m:r>
+                        </m:sub>
+                      </m:sSub>
+                    </m:oMath>
+                  </m:oMathPara>
+                </a14:m>
+                <a:endParaRPr lang="zh-CN" altLang="en-US" sz="2000" b="1" dirty="0"/>
+              </a:p>
+            </p:txBody>
+          </p:sp>
+        </mc:Choice>
+        <mc:Fallback>
+          <p:sp>
+            <p:nvSpPr>
+              <p:cNvPr id="7" name="文本框 6">
+                <a:extLst>
+                  <a:ext uri="{FF2B5EF4-FFF2-40B4-BE49-F238E27FC236}">
+                    <a16:creationId xmlns:a16="http://schemas.microsoft.com/office/drawing/2014/main" id="{8CA3D435-E43F-B519-0DF1-685850588677}"/>
+                  </a:ext>
+                </a:extLst>
+              </p:cNvPr>
+              <p:cNvSpPr txBox="1">
+                <a:spLocks noRot="1" noChangeAspect="1" noMove="1" noResize="1" noEditPoints="1" noAdjustHandles="1" noChangeArrowheads="1" noChangeShapeType="1" noTextEdit="1"/>
+              </p:cNvSpPr>
+              <p:nvPr/>
+            </p:nvSpPr>
+            <p:spPr>
+              <a:xfrm>
+                <a:off x="10723011" y="1762636"/>
+                <a:ext cx="594137" cy="307777"/>
+              </a:xfrm>
+              <a:prstGeom prst="rect">
+                <a:avLst/>
+              </a:prstGeom>
+              <a:blipFill>
+                <a:blip r:embed="rId4"/>
+                <a:stretch>
+                  <a:fillRect l="-9278" r="-5155" b="-15686"/>
+                </a:stretch>
+              </a:blipFill>
+            </p:spPr>
+            <p:txBody>
+              <a:bodyPr/>
+              <a:lstStyle/>
+              <a:p>
+                <a:r>
+                  <a:rPr lang="zh-CN" altLang="en-US">
+                    <a:noFill/>
+                  </a:rPr>
+                  <a:t> </a:t>
+                </a:r>
+              </a:p>
+            </p:txBody>
+          </p:sp>
+        </mc:Fallback>
+      </mc:AlternateContent>
+      <p:cxnSp>
+        <p:nvCxnSpPr>
+          <p:cNvPr id="9" name="直接连接符 8">
+            <a:extLst>
+              <a:ext uri="{FF2B5EF4-FFF2-40B4-BE49-F238E27FC236}">
+                <a16:creationId xmlns:a16="http://schemas.microsoft.com/office/drawing/2014/main" id="{464EC9F1-1B81-FDFA-6CB6-BB081D691926}"/>
+              </a:ext>
+            </a:extLst>
+          </p:cNvPr>
+          <p:cNvCxnSpPr>
+            <a:cxnSpLocks/>
+          </p:cNvCxnSpPr>
+          <p:nvPr/>
+        </p:nvCxnSpPr>
+        <p:spPr>
+          <a:xfrm>
+            <a:off x="4463461" y="191801"/>
+            <a:ext cx="0" cy="941163"/>
+          </a:xfrm>
+          <a:prstGeom prst="line">
+            <a:avLst/>
+          </a:prstGeom>
+          <a:ln w="28575">
+            <a:solidFill>
+              <a:schemeClr val="tx1"/>
+            </a:solidFill>
+            <a:prstDash val="dash"/>
+          </a:ln>
+        </p:spPr>
+        <p:style>
+          <a:lnRef idx="2">
+            <a:schemeClr val="accent1"/>
+          </a:lnRef>
+          <a:fillRef idx="0">
+            <a:schemeClr val="accent1"/>
+          </a:fillRef>
+          <a:effectRef idx="1">
+            <a:schemeClr val="accent1"/>
+          </a:effectRef>
+          <a:fontRef idx="minor">
+            <a:schemeClr val="tx1"/>
+          </a:fontRef>
+        </p:style>
+      </p:cxnSp>
+      <mc:AlternateContent xmlns:mc="http://schemas.openxmlformats.org/markup-compatibility/2006">
+        <mc:Choice xmlns:a14="http://schemas.microsoft.com/office/drawing/2010/main" Requires="a14">
+          <p:sp>
+            <p:nvSpPr>
+              <p:cNvPr id="13" name="文本框 12">
+                <a:extLst>
+                  <a:ext uri="{FF2B5EF4-FFF2-40B4-BE49-F238E27FC236}">
+                    <a16:creationId xmlns:a16="http://schemas.microsoft.com/office/drawing/2014/main" id="{99052481-AA2E-AABA-CCEB-8B1A18677388}"/>
+                  </a:ext>
+                </a:extLst>
+              </p:cNvPr>
+              <p:cNvSpPr txBox="1"/>
+              <p:nvPr/>
+            </p:nvSpPr>
+            <p:spPr>
+              <a:xfrm>
+                <a:off x="4183937" y="562021"/>
+                <a:ext cx="194477" cy="276999"/>
+              </a:xfrm>
+              <a:prstGeom prst="rect">
+                <a:avLst/>
+              </a:prstGeom>
+              <a:noFill/>
+            </p:spPr>
+            <p:txBody>
+              <a:bodyPr wrap="none" lIns="0" tIns="0" rIns="0" bIns="0" rtlCol="0">
+                <a:spAutoFit/>
+              </a:bodyPr>
+              <a:lstStyle/>
+              <a:p>
+                <a14:m>
+                  <m:oMathPara xmlns:m="http://schemas.openxmlformats.org/officeDocument/2006/math">
+                    <m:oMathParaPr>
+                      <m:jc m:val="centerGroup"/>
+                    </m:oMathParaPr>
+                    <m:oMath xmlns:m="http://schemas.openxmlformats.org/officeDocument/2006/math">
+                      <m:r>
+                        <a:rPr lang="en-US" altLang="zh-CN" b="1" i="1" smtClean="0">
+                          <a:latin typeface="Cambria Math" panose="02040503050406030204" pitchFamily="18" charset="0"/>
+                        </a:rPr>
+                        <m:t>𝑪</m:t>
+                      </m:r>
+                    </m:oMath>
+                  </m:oMathPara>
+                </a14:m>
+                <a:endParaRPr lang="zh-CN" altLang="en-US" b="1" dirty="0"/>
+              </a:p>
+            </p:txBody>
+          </p:sp>
+        </mc:Choice>
+        <mc:Fallback>
+          <p:sp>
+            <p:nvSpPr>
+              <p:cNvPr id="13" name="文本框 12">
+                <a:extLst>
+                  <a:ext uri="{FF2B5EF4-FFF2-40B4-BE49-F238E27FC236}">
+                    <a16:creationId xmlns:a16="http://schemas.microsoft.com/office/drawing/2014/main" id="{99052481-AA2E-AABA-CCEB-8B1A18677388}"/>
+                  </a:ext>
+                </a:extLst>
+              </p:cNvPr>
+              <p:cNvSpPr txBox="1">
+                <a:spLocks noRot="1" noChangeAspect="1" noMove="1" noResize="1" noEditPoints="1" noAdjustHandles="1" noChangeArrowheads="1" noChangeShapeType="1" noTextEdit="1"/>
+              </p:cNvSpPr>
+              <p:nvPr/>
+            </p:nvSpPr>
+            <p:spPr>
+              <a:xfrm>
+                <a:off x="4183937" y="562021"/>
+                <a:ext cx="194477" cy="276999"/>
+              </a:xfrm>
+              <a:prstGeom prst="rect">
+                <a:avLst/>
+              </a:prstGeom>
+              <a:blipFill>
+                <a:blip r:embed="rId5"/>
+                <a:stretch>
+                  <a:fillRect l="-28125" r="-31250" b="-6522"/>
+                </a:stretch>
+              </a:blipFill>
+            </p:spPr>
+            <p:txBody>
+              <a:bodyPr/>
+              <a:lstStyle/>
+              <a:p>
+                <a:r>
+                  <a:rPr lang="zh-CN" altLang="en-US">
+                    <a:noFill/>
+                  </a:rPr>
+                  <a:t> </a:t>
+                </a:r>
+              </a:p>
+            </p:txBody>
+          </p:sp>
+        </mc:Fallback>
+      </mc:AlternateContent>
+    </p:spTree>
+    <p:extLst>
+      <p:ext uri="{BB962C8B-B14F-4D97-AF65-F5344CB8AC3E}">
+        <p14:creationId xmlns:p14="http://schemas.microsoft.com/office/powerpoint/2010/main" val="4212056583"/>
       </p:ext>
     </p:extLst>
   </p:cSld>
